--- a/aaon_the_way/a-mydoc/长期维护.pptx
+++ b/aaon_the_way/a-mydoc/长期维护.pptx
@@ -10,6 +10,8 @@
     <p:sldId id="259" r:id="rId4"/>
     <p:sldId id="260" r:id="rId5"/>
     <p:sldId id="258" r:id="rId6"/>
+    <p:sldId id="261" r:id="rId7"/>
+    <p:sldId id="262" r:id="rId8"/>
   </p:sldIdLst>
   <p:sldSz cx="12192000" cy="6858000"/>
   <p:notesSz cx="6858000" cy="9144000"/>
@@ -247,7 +249,7 @@
           <a:p>
             <a:fld id="{DCCC4742-F656-4F30-9808-576AF19A67F4}" type="datetimeFigureOut">
               <a:rPr lang="zh-CN" altLang="en-US" smtClean="0"/>
-              <a:t>2017/11/23</a:t>
+              <a:t>2017/11/29</a:t>
             </a:fld>
             <a:endParaRPr lang="zh-CN" altLang="en-US"/>
           </a:p>
@@ -417,7 +419,7 @@
           <a:p>
             <a:fld id="{DCCC4742-F656-4F30-9808-576AF19A67F4}" type="datetimeFigureOut">
               <a:rPr lang="zh-CN" altLang="en-US" smtClean="0"/>
-              <a:t>2017/11/23</a:t>
+              <a:t>2017/11/29</a:t>
             </a:fld>
             <a:endParaRPr lang="zh-CN" altLang="en-US"/>
           </a:p>
@@ -597,7 +599,7 @@
           <a:p>
             <a:fld id="{DCCC4742-F656-4F30-9808-576AF19A67F4}" type="datetimeFigureOut">
               <a:rPr lang="zh-CN" altLang="en-US" smtClean="0"/>
-              <a:t>2017/11/23</a:t>
+              <a:t>2017/11/29</a:t>
             </a:fld>
             <a:endParaRPr lang="zh-CN" altLang="en-US"/>
           </a:p>
@@ -767,7 +769,7 @@
           <a:p>
             <a:fld id="{DCCC4742-F656-4F30-9808-576AF19A67F4}" type="datetimeFigureOut">
               <a:rPr lang="zh-CN" altLang="en-US" smtClean="0"/>
-              <a:t>2017/11/23</a:t>
+              <a:t>2017/11/29</a:t>
             </a:fld>
             <a:endParaRPr lang="zh-CN" altLang="en-US"/>
           </a:p>
@@ -1013,7 +1015,7 @@
           <a:p>
             <a:fld id="{DCCC4742-F656-4F30-9808-576AF19A67F4}" type="datetimeFigureOut">
               <a:rPr lang="zh-CN" altLang="en-US" smtClean="0"/>
-              <a:t>2017/11/23</a:t>
+              <a:t>2017/11/29</a:t>
             </a:fld>
             <a:endParaRPr lang="zh-CN" altLang="en-US"/>
           </a:p>
@@ -1245,7 +1247,7 @@
           <a:p>
             <a:fld id="{DCCC4742-F656-4F30-9808-576AF19A67F4}" type="datetimeFigureOut">
               <a:rPr lang="zh-CN" altLang="en-US" smtClean="0"/>
-              <a:t>2017/11/23</a:t>
+              <a:t>2017/11/29</a:t>
             </a:fld>
             <a:endParaRPr lang="zh-CN" altLang="en-US"/>
           </a:p>
@@ -1612,7 +1614,7 @@
           <a:p>
             <a:fld id="{DCCC4742-F656-4F30-9808-576AF19A67F4}" type="datetimeFigureOut">
               <a:rPr lang="zh-CN" altLang="en-US" smtClean="0"/>
-              <a:t>2017/11/23</a:t>
+              <a:t>2017/11/29</a:t>
             </a:fld>
             <a:endParaRPr lang="zh-CN" altLang="en-US"/>
           </a:p>
@@ -1730,7 +1732,7 @@
           <a:p>
             <a:fld id="{DCCC4742-F656-4F30-9808-576AF19A67F4}" type="datetimeFigureOut">
               <a:rPr lang="zh-CN" altLang="en-US" smtClean="0"/>
-              <a:t>2017/11/23</a:t>
+              <a:t>2017/11/29</a:t>
             </a:fld>
             <a:endParaRPr lang="zh-CN" altLang="en-US"/>
           </a:p>
@@ -1825,7 +1827,7 @@
           <a:p>
             <a:fld id="{DCCC4742-F656-4F30-9808-576AF19A67F4}" type="datetimeFigureOut">
               <a:rPr lang="zh-CN" altLang="en-US" smtClean="0"/>
-              <a:t>2017/11/23</a:t>
+              <a:t>2017/11/29</a:t>
             </a:fld>
             <a:endParaRPr lang="zh-CN" altLang="en-US"/>
           </a:p>
@@ -2102,7 +2104,7 @@
           <a:p>
             <a:fld id="{DCCC4742-F656-4F30-9808-576AF19A67F4}" type="datetimeFigureOut">
               <a:rPr lang="zh-CN" altLang="en-US" smtClean="0"/>
-              <a:t>2017/11/23</a:t>
+              <a:t>2017/11/29</a:t>
             </a:fld>
             <a:endParaRPr lang="zh-CN" altLang="en-US"/>
           </a:p>
@@ -2355,7 +2357,7 @@
           <a:p>
             <a:fld id="{DCCC4742-F656-4F30-9808-576AF19A67F4}" type="datetimeFigureOut">
               <a:rPr lang="zh-CN" altLang="en-US" smtClean="0"/>
-              <a:t>2017/11/23</a:t>
+              <a:t>2017/11/29</a:t>
             </a:fld>
             <a:endParaRPr lang="zh-CN" altLang="en-US"/>
           </a:p>
@@ -2568,7 +2570,7 @@
           <a:p>
             <a:fld id="{DCCC4742-F656-4F30-9808-576AF19A67F4}" type="datetimeFigureOut">
               <a:rPr lang="zh-CN" altLang="en-US" smtClean="0"/>
-              <a:t>2017/11/23</a:t>
+              <a:t>2017/11/29</a:t>
             </a:fld>
             <a:endParaRPr lang="zh-CN" altLang="en-US"/>
           </a:p>
@@ -3104,15 +3106,7 @@
           <a:p>
             <a:r>
               <a:rPr lang="zh-CN" altLang="en-US" dirty="0" smtClean="0"/>
-              <a:t>目录包括：论文名字，摘要，方法</a:t>
-            </a:r>
-            <a:r>
-              <a:rPr lang="zh-CN" altLang="en-US" dirty="0" smtClean="0"/>
-              <a:t>，总结，实验</a:t>
-            </a:r>
-            <a:r>
-              <a:rPr lang="zh-CN" altLang="en-US" dirty="0" smtClean="0"/>
-              <a:t>数据库，缺陷和想法</a:t>
+              <a:t>目录包括：论文名字，摘要，方法，总结，实验数据库，缺陷和想法</a:t>
             </a:r>
             <a:endParaRPr lang="en-US" altLang="zh-CN" dirty="0" smtClean="0"/>
           </a:p>
@@ -3358,6 +3352,22 @@
             <a:endParaRPr lang="en-US" altLang="zh-CN" dirty="0" smtClean="0"/>
           </a:p>
           <a:p>
+            <a:pPr lvl="1"/>
+            <a:r>
+              <a:rPr lang="en-US" altLang="zh-CN" dirty="0"/>
+              <a:t>A Normal Distribution-Based Over-Sampling </a:t>
+            </a:r>
+            <a:r>
+              <a:rPr lang="en-US" altLang="zh-CN" dirty="0" smtClean="0"/>
+              <a:t>Approach to </a:t>
+            </a:r>
+            <a:r>
+              <a:rPr lang="en-US" altLang="zh-CN" dirty="0"/>
+              <a:t>Imbalanced Data Classification</a:t>
+            </a:r>
+            <a:endParaRPr lang="en-US" altLang="zh-CN" dirty="0" smtClean="0"/>
+          </a:p>
+          <a:p>
             <a:r>
               <a:rPr lang="zh-CN" altLang="en-US" dirty="0" smtClean="0"/>
               <a:t>摘要</a:t>
@@ -3372,6 +3382,26 @@
             <a:endParaRPr lang="en-US" altLang="zh-CN" dirty="0" smtClean="0"/>
           </a:p>
           <a:p>
+            <a:pPr lvl="1"/>
+            <a:r>
+              <a:rPr lang="zh-CN" altLang="en-US" dirty="0" smtClean="0"/>
+              <a:t>该文中认为</a:t>
+            </a:r>
+            <a:r>
+              <a:rPr lang="en-US" altLang="zh-CN" dirty="0" smtClean="0"/>
+              <a:t>SMOTE</a:t>
+            </a:r>
+            <a:r>
+              <a:rPr lang="zh-CN" altLang="en-US" dirty="0" smtClean="0"/>
+              <a:t>方法的随机插值不能保证原始分布（或者是与原始数据相似的均值和方差），假设原始少数类为正态分布，根据目前存在的样本计算该正态分布的均值和方差，并根据标准正态分布和计算的参数进行插值</a:t>
+            </a:r>
+            <a:endParaRPr lang="en-US" altLang="zh-CN" dirty="0" smtClean="0"/>
+          </a:p>
+          <a:p>
+            <a:pPr lvl="1"/>
+            <a:endParaRPr lang="en-US" altLang="zh-CN" dirty="0" smtClean="0"/>
+          </a:p>
+          <a:p>
             <a:r>
               <a:rPr lang="zh-CN" altLang="en-US" dirty="0" smtClean="0"/>
               <a:t>总结</a:t>
@@ -3386,6 +3416,13 @@
             <a:endParaRPr lang="en-US" altLang="zh-CN" dirty="0" smtClean="0"/>
           </a:p>
           <a:p>
+            <a:pPr lvl="1"/>
+            <a:r>
+              <a:rPr lang="en-US" altLang="zh-CN" dirty="0" smtClean="0"/>
+              <a:t>breast-w,diabetes,glass,ionosphere,satimage,segment-challenge,sonar,vehicle</a:t>
+            </a:r>
+          </a:p>
+          <a:p>
             <a:r>
               <a:rPr lang="zh-CN" altLang="en-US" dirty="0" smtClean="0"/>
               <a:t>缺陷和想法</a:t>
@@ -3393,10 +3430,43 @@
             <a:endParaRPr lang="en-US" altLang="zh-CN" dirty="0" smtClean="0"/>
           </a:p>
           <a:p>
-            <a:endParaRPr lang="zh-CN" altLang="en-US" dirty="0"/>
-          </a:p>
-        </p:txBody>
-      </p:sp>
+            <a:pPr lvl="1"/>
+            <a:r>
+              <a:rPr lang="zh-CN" altLang="en-US" dirty="0"/>
+              <a:t>该</a:t>
+            </a:r>
+            <a:r>
+              <a:rPr lang="zh-CN" altLang="en-US" dirty="0" smtClean="0"/>
+              <a:t>文中针对连续型特征和离散特征采用的采样方式不同，连续型特征利用正态分布进行插值，而离散型特征则是针对其出现频率，采用轮盘赌的方式进行。</a:t>
+            </a:r>
+            <a:endParaRPr lang="en-US" altLang="zh-CN" dirty="0" smtClean="0"/>
+          </a:p>
+        </p:txBody>
+      </p:sp>
+      <p:pic>
+        <p:nvPicPr>
+          <p:cNvPr id="2" name="图片 1"/>
+          <p:cNvPicPr>
+            <a:picLocks noChangeAspect="1"/>
+          </p:cNvPicPr>
+          <p:nvPr/>
+        </p:nvPicPr>
+        <p:blipFill>
+          <a:blip r:embed="rId2"/>
+          <a:stretch>
+            <a:fillRect/>
+          </a:stretch>
+        </p:blipFill>
+        <p:spPr>
+          <a:xfrm>
+            <a:off x="4338637" y="3076575"/>
+            <a:ext cx="3514725" cy="704850"/>
+          </a:xfrm>
+          <a:prstGeom prst="rect">
+            <a:avLst/>
+          </a:prstGeom>
+        </p:spPr>
+      </p:pic>
     </p:spTree>
     <p:extLst>
       <p:ext uri="{BB962C8B-B14F-4D97-AF65-F5344CB8AC3E}">
@@ -3454,6 +3524,30 @@
             <a:endParaRPr lang="en-US" altLang="zh-CN" dirty="0" smtClean="0"/>
           </a:p>
           <a:p>
+            <a:pPr lvl="1"/>
+            <a:r>
+              <a:rPr lang="en-US" altLang="zh-CN" dirty="0" err="1" smtClean="0"/>
+              <a:t>Variational</a:t>
+            </a:r>
+            <a:r>
+              <a:rPr lang="en-US" altLang="zh-CN" dirty="0" smtClean="0"/>
+              <a:t> </a:t>
+            </a:r>
+            <a:r>
+              <a:rPr lang="en-US" altLang="zh-CN" dirty="0" err="1" smtClean="0"/>
+              <a:t>lossy</a:t>
+            </a:r>
+            <a:r>
+              <a:rPr lang="en-US" altLang="zh-CN" dirty="0" smtClean="0"/>
+              <a:t> </a:t>
+            </a:r>
+            <a:r>
+              <a:rPr lang="en-US" altLang="zh-CN" dirty="0" err="1" smtClean="0"/>
+              <a:t>autoencoder</a:t>
+            </a:r>
+            <a:endParaRPr lang="en-US" altLang="zh-CN" dirty="0" smtClean="0"/>
+          </a:p>
+          <a:p>
             <a:r>
               <a:rPr lang="zh-CN" altLang="en-US" dirty="0" smtClean="0"/>
               <a:t>摘要</a:t>
@@ -3468,6 +3562,49 @@
             <a:endParaRPr lang="en-US" altLang="zh-CN" dirty="0" smtClean="0"/>
           </a:p>
           <a:p>
+            <a:pPr lvl="1"/>
+            <a:r>
+              <a:rPr lang="zh-CN" altLang="en-US" dirty="0" smtClean="0"/>
+              <a:t>为了使</a:t>
+            </a:r>
+            <a:r>
+              <a:rPr lang="en-US" altLang="zh-CN" dirty="0" smtClean="0"/>
+              <a:t>latent dimension</a:t>
+            </a:r>
+            <a:r>
+              <a:rPr lang="zh-CN" altLang="en-US" dirty="0" smtClean="0"/>
+              <a:t>学习到全局的基本信息，扔掉细节信息，将</a:t>
+            </a:r>
+            <a:r>
+              <a:rPr lang="en-US" altLang="zh-CN" dirty="0" err="1" smtClean="0"/>
+              <a:t>vae</a:t>
+            </a:r>
+            <a:r>
+              <a:rPr lang="zh-CN" altLang="en-US" dirty="0" smtClean="0"/>
+              <a:t>和神经自回归模型（</a:t>
+            </a:r>
+            <a:r>
+              <a:rPr lang="en-US" altLang="zh-CN" dirty="0" smtClean="0"/>
+              <a:t>neural autoregressive model</a:t>
+            </a:r>
+            <a:r>
+              <a:rPr lang="zh-CN" altLang="en-US" dirty="0" smtClean="0"/>
+              <a:t>）结合起来，将</a:t>
+            </a:r>
+            <a:r>
+              <a:rPr lang="en-US" altLang="zh-CN" dirty="0" smtClean="0"/>
+              <a:t>z</a:t>
+            </a:r>
+            <a:r>
+              <a:rPr lang="zh-CN" altLang="en-US" dirty="0" smtClean="0"/>
+              <a:t>再次进行建模，得到最后的</a:t>
+            </a:r>
+            <a:r>
+              <a:rPr lang="en-US" altLang="zh-CN" dirty="0" smtClean="0"/>
+              <a:t>latent dimension</a:t>
+            </a:r>
+          </a:p>
+          <a:p>
             <a:r>
               <a:rPr lang="zh-CN" altLang="en-US" dirty="0" smtClean="0"/>
               <a:t>总结</a:t>
@@ -3480,6 +3617,25 @@
               <a:t>数据库</a:t>
             </a:r>
             <a:endParaRPr lang="en-US" altLang="zh-CN" dirty="0" smtClean="0"/>
+          </a:p>
+          <a:p>
+            <a:pPr lvl="1"/>
+            <a:r>
+              <a:rPr lang="en-US" altLang="zh-CN" dirty="0" err="1" smtClean="0"/>
+              <a:t>mnist,cifar</a:t>
+            </a:r>
+            <a:r>
+              <a:rPr lang="en-US" altLang="zh-CN" dirty="0" smtClean="0"/>
+              <a:t>-</a:t>
+            </a:r>
+            <a:r>
+              <a:rPr lang="en-US" altLang="zh-CN" dirty="0" err="1" smtClean="0"/>
+              <a:t>10,omniglot,Caltech</a:t>
+            </a:r>
+            <a:r>
+              <a:rPr lang="en-US" altLang="zh-CN" dirty="0" smtClean="0"/>
+              <a:t>-101</a:t>
+            </a:r>
           </a:p>
           <a:p>
             <a:r>
@@ -3497,6 +3653,292 @@
     <p:extLst>
       <p:ext uri="{BB962C8B-B14F-4D97-AF65-F5344CB8AC3E}">
         <p14:creationId xmlns:p14="http://schemas.microsoft.com/office/powerpoint/2010/main" val="2322685255"/>
+      </p:ext>
+    </p:extLst>
+  </p:cSld>
+  <p:clrMapOvr>
+    <a:masterClrMapping/>
+  </p:clrMapOvr>
+</p:sld>
+</file>
+
+<file path=ppt/slides/slide6.xml><?xml version="1.0" encoding="utf-8"?>
+<p:sld xmlns:a="http://schemas.openxmlformats.org/drawingml/2006/main" xmlns:r="http://schemas.openxmlformats.org/officeDocument/2006/relationships" xmlns:p="http://schemas.openxmlformats.org/presentationml/2006/main">
+  <p:cSld>
+    <p:spTree>
+      <p:nvGrpSpPr>
+        <p:cNvPr id="1" name=""/>
+        <p:cNvGrpSpPr/>
+        <p:nvPr/>
+      </p:nvGrpSpPr>
+      <p:grpSpPr>
+        <a:xfrm>
+          <a:off x="0" y="0"/>
+          <a:ext cx="0" cy="0"/>
+          <a:chOff x="0" y="0"/>
+          <a:chExt cx="0" cy="0"/>
+        </a:xfrm>
+      </p:grpSpPr>
+      <p:sp>
+        <p:nvSpPr>
+          <p:cNvPr id="3" name="内容占位符 2"/>
+          <p:cNvSpPr>
+            <a:spLocks noGrp="1"/>
+          </p:cNvSpPr>
+          <p:nvPr>
+            <p:ph idx="1"/>
+          </p:nvPr>
+        </p:nvSpPr>
+        <p:spPr>
+          <a:xfrm>
+            <a:off x="0" y="0"/>
+            <a:ext cx="12192000" cy="6857999"/>
+          </a:xfrm>
+        </p:spPr>
+        <p:txBody>
+          <a:bodyPr>
+            <a:normAutofit fontScale="92500" lnSpcReduction="10000"/>
+          </a:bodyPr>
+          <a:lstStyle/>
+          <a:p>
+            <a:r>
+              <a:rPr lang="zh-CN" altLang="en-US" dirty="0" smtClean="0"/>
+              <a:t>名字</a:t>
+            </a:r>
+            <a:endParaRPr lang="en-US" altLang="zh-CN" dirty="0" smtClean="0"/>
+          </a:p>
+          <a:p>
+            <a:pPr lvl="1"/>
+            <a:r>
+              <a:rPr lang="en-US" altLang="zh-CN" dirty="0" err="1" smtClean="0"/>
+              <a:t>RWO</a:t>
+            </a:r>
+            <a:r>
+              <a:rPr lang="en-US" altLang="zh-CN" dirty="0" smtClean="0"/>
+              <a:t>-sampling: a random walk over-sampling approach to imbalanced data classification</a:t>
+            </a:r>
+            <a:endParaRPr lang="en-US" altLang="zh-CN" dirty="0" smtClean="0"/>
+          </a:p>
+          <a:p>
+            <a:r>
+              <a:rPr lang="zh-CN" altLang="en-US" dirty="0" smtClean="0"/>
+              <a:t>摘要</a:t>
+            </a:r>
+            <a:endParaRPr lang="en-US" altLang="zh-CN" dirty="0" smtClean="0"/>
+          </a:p>
+          <a:p>
+            <a:r>
+              <a:rPr lang="zh-CN" altLang="en-US" dirty="0" smtClean="0"/>
+              <a:t>方法</a:t>
+            </a:r>
+            <a:endParaRPr lang="en-US" altLang="zh-CN" dirty="0" smtClean="0"/>
+          </a:p>
+          <a:p>
+            <a:pPr lvl="1"/>
+            <a:r>
+              <a:rPr lang="zh-CN" altLang="en-US" dirty="0" smtClean="0"/>
+              <a:t>将数据分为连续型和离散型属性，连续型属性假设其为正态分布，利用已有的样本数据计算均值和方差，并进行插值；离散型数据计算其频率并假设其为</a:t>
+            </a:r>
+            <a:r>
+              <a:rPr lang="zh-CN" altLang="en-US" dirty="0" smtClean="0"/>
+              <a:t>概率，并利用轮盘赌的形式进行采样，（</a:t>
+            </a:r>
+            <a:r>
+              <a:rPr lang="en-US" altLang="zh-CN" dirty="0" smtClean="0"/>
+              <a:t>generating a random value for attribute a</a:t>
+            </a:r>
+            <a:r>
+              <a:rPr lang="en-US" altLang="zh-CN" baseline="-25000" dirty="0" smtClean="0"/>
+              <a:t>i</a:t>
+            </a:r>
+            <a:r>
+              <a:rPr lang="en-US" altLang="zh-CN" dirty="0" smtClean="0"/>
+              <a:t> using roulette</a:t>
+            </a:r>
+            <a:r>
+              <a:rPr lang="zh-CN" altLang="en-US" dirty="0" smtClean="0"/>
+              <a:t>）</a:t>
+            </a:r>
+            <a:endParaRPr lang="en-US" altLang="zh-CN" dirty="0" smtClean="0"/>
+          </a:p>
+          <a:p>
+            <a:r>
+              <a:rPr lang="zh-CN" altLang="en-US" dirty="0" smtClean="0"/>
+              <a:t>总结</a:t>
+            </a:r>
+            <a:endParaRPr lang="en-US" altLang="zh-CN" dirty="0" smtClean="0"/>
+          </a:p>
+          <a:p>
+            <a:r>
+              <a:rPr lang="zh-CN" altLang="en-US" dirty="0" smtClean="0"/>
+              <a:t>数据库</a:t>
+            </a:r>
+            <a:endParaRPr lang="en-US" altLang="zh-CN" dirty="0" smtClean="0"/>
+          </a:p>
+          <a:p>
+            <a:pPr lvl="1"/>
+            <a:r>
+              <a:rPr lang="en-US" altLang="zh-CN" dirty="0"/>
+              <a:t>b</a:t>
+            </a:r>
+            <a:r>
+              <a:rPr lang="en-US" altLang="zh-CN" dirty="0" smtClean="0"/>
+              <a:t>reast-cancer,breast-w,colic,credit-g,diabetes,glass,haberman,hepatitis,hypothyroid,ionosphere,monk2,postoperative,primary-tumor,satimage,segment,sick,sonar,splice-i.e.,tic-tac-toc,vehicle,vowel</a:t>
+            </a:r>
+            <a:endParaRPr lang="en-US" altLang="zh-CN" dirty="0" smtClean="0"/>
+          </a:p>
+          <a:p>
+            <a:r>
+              <a:rPr lang="zh-CN" altLang="en-US" dirty="0" smtClean="0"/>
+              <a:t>缺陷和</a:t>
+            </a:r>
+            <a:r>
+              <a:rPr lang="zh-CN" altLang="en-US" dirty="0" smtClean="0"/>
+              <a:t>想法</a:t>
+            </a:r>
+            <a:endParaRPr lang="en-US" altLang="zh-CN" dirty="0" smtClean="0"/>
+          </a:p>
+          <a:p>
+            <a:pPr lvl="1"/>
+            <a:r>
+              <a:rPr lang="zh-CN" altLang="en-US" dirty="0" smtClean="0"/>
+              <a:t>从方法本身来看，这种单一属性逐渐生成方式意味着属性间独立，但是真实数据集未必符合该种形式。</a:t>
+            </a:r>
+            <a:endParaRPr lang="en-US" altLang="zh-CN" dirty="0" smtClean="0"/>
+          </a:p>
+          <a:p>
+            <a:r>
+              <a:rPr lang="zh-CN" altLang="en-US" dirty="0" smtClean="0"/>
+              <a:t>考虑这样一种情形，假设某个</a:t>
+            </a:r>
+            <a:r>
+              <a:rPr lang="en-US" altLang="zh-CN" dirty="0" smtClean="0"/>
+              <a:t>feature</a:t>
+            </a:r>
+            <a:r>
+              <a:rPr lang="zh-CN" altLang="en-US" dirty="0" smtClean="0"/>
+              <a:t>是性别，即使采用数值化形式，该</a:t>
+            </a:r>
+            <a:r>
+              <a:rPr lang="en-US" altLang="zh-CN" dirty="0" smtClean="0"/>
+              <a:t>feature</a:t>
+            </a:r>
+            <a:r>
+              <a:rPr lang="zh-CN" altLang="en-US" dirty="0" smtClean="0"/>
+              <a:t>的取值也是离散类型的，不失一般性，我们认为其为</a:t>
+            </a:r>
+            <a:r>
+              <a:rPr lang="en-US" altLang="zh-CN" dirty="0" smtClean="0"/>
+              <a:t>0,1</a:t>
+            </a:r>
+            <a:r>
+              <a:rPr lang="zh-CN" altLang="en-US" dirty="0" smtClean="0"/>
+              <a:t>，则目前的随机插值到定义分布的各种形式的采样，未能考虑到离散型数据在经过随机插值后失去物理意义的问题，因此在工业数据集上需要多加考虑。</a:t>
+            </a:r>
+            <a:endParaRPr lang="zh-CN" altLang="en-US" dirty="0"/>
+          </a:p>
+        </p:txBody>
+      </p:sp>
+    </p:spTree>
+    <p:extLst>
+      <p:ext uri="{BB962C8B-B14F-4D97-AF65-F5344CB8AC3E}">
+        <p14:creationId xmlns:p14="http://schemas.microsoft.com/office/powerpoint/2010/main" val="3562198648"/>
+      </p:ext>
+    </p:extLst>
+  </p:cSld>
+  <p:clrMapOvr>
+    <a:masterClrMapping/>
+  </p:clrMapOvr>
+</p:sld>
+</file>
+
+<file path=ppt/slides/slide7.xml><?xml version="1.0" encoding="utf-8"?>
+<p:sld xmlns:a="http://schemas.openxmlformats.org/drawingml/2006/main" xmlns:r="http://schemas.openxmlformats.org/officeDocument/2006/relationships" xmlns:p="http://schemas.openxmlformats.org/presentationml/2006/main">
+  <p:cSld>
+    <p:spTree>
+      <p:nvGrpSpPr>
+        <p:cNvPr id="1" name=""/>
+        <p:cNvGrpSpPr/>
+        <p:nvPr/>
+      </p:nvGrpSpPr>
+      <p:grpSpPr>
+        <a:xfrm>
+          <a:off x="0" y="0"/>
+          <a:ext cx="0" cy="0"/>
+          <a:chOff x="0" y="0"/>
+          <a:chExt cx="0" cy="0"/>
+        </a:xfrm>
+      </p:grpSpPr>
+      <p:sp>
+        <p:nvSpPr>
+          <p:cNvPr id="3" name="内容占位符 2"/>
+          <p:cNvSpPr>
+            <a:spLocks noGrp="1"/>
+          </p:cNvSpPr>
+          <p:nvPr>
+            <p:ph idx="1"/>
+          </p:nvPr>
+        </p:nvSpPr>
+        <p:spPr>
+          <a:xfrm>
+            <a:off x="0" y="0"/>
+            <a:ext cx="12192000" cy="6857999"/>
+          </a:xfrm>
+        </p:spPr>
+        <p:txBody>
+          <a:bodyPr/>
+          <a:lstStyle/>
+          <a:p>
+            <a:r>
+              <a:rPr lang="zh-CN" altLang="en-US" dirty="0" smtClean="0"/>
+              <a:t>名字</a:t>
+            </a:r>
+            <a:endParaRPr lang="en-US" altLang="zh-CN" dirty="0" smtClean="0"/>
+          </a:p>
+          <a:p>
+            <a:r>
+              <a:rPr lang="zh-CN" altLang="en-US" dirty="0" smtClean="0"/>
+              <a:t>摘要</a:t>
+            </a:r>
+            <a:endParaRPr lang="en-US" altLang="zh-CN" dirty="0" smtClean="0"/>
+          </a:p>
+          <a:p>
+            <a:r>
+              <a:rPr lang="zh-CN" altLang="en-US" dirty="0" smtClean="0"/>
+              <a:t>方法</a:t>
+            </a:r>
+            <a:endParaRPr lang="en-US" altLang="zh-CN" dirty="0" smtClean="0"/>
+          </a:p>
+          <a:p>
+            <a:r>
+              <a:rPr lang="zh-CN" altLang="en-US" dirty="0" smtClean="0"/>
+              <a:t>总结</a:t>
+            </a:r>
+            <a:endParaRPr lang="en-US" altLang="zh-CN" dirty="0" smtClean="0"/>
+          </a:p>
+          <a:p>
+            <a:r>
+              <a:rPr lang="zh-CN" altLang="en-US" dirty="0" smtClean="0"/>
+              <a:t>数据库</a:t>
+            </a:r>
+            <a:endParaRPr lang="en-US" altLang="zh-CN" dirty="0" smtClean="0"/>
+          </a:p>
+          <a:p>
+            <a:r>
+              <a:rPr lang="zh-CN" altLang="en-US" dirty="0" smtClean="0"/>
+              <a:t>缺陷和想法</a:t>
+            </a:r>
+            <a:endParaRPr lang="en-US" altLang="zh-CN" dirty="0" smtClean="0"/>
+          </a:p>
+          <a:p>
+            <a:endParaRPr lang="zh-CN" altLang="en-US" dirty="0"/>
+          </a:p>
+        </p:txBody>
+      </p:sp>
+    </p:spTree>
+    <p:extLst>
+      <p:ext uri="{BB962C8B-B14F-4D97-AF65-F5344CB8AC3E}">
+        <p14:creationId xmlns:p14="http://schemas.microsoft.com/office/powerpoint/2010/main" val="3545791869"/>
       </p:ext>
     </p:extLst>
   </p:cSld>

--- a/aaon_the_way/a-mydoc/长期维护.pptx
+++ b/aaon_the_way/a-mydoc/长期维护.pptx
@@ -12,6 +12,7 @@
     <p:sldId id="258" r:id="rId6"/>
     <p:sldId id="261" r:id="rId7"/>
     <p:sldId id="262" r:id="rId8"/>
+    <p:sldId id="263" r:id="rId9"/>
   </p:sldIdLst>
   <p:sldSz cx="12192000" cy="6858000"/>
   <p:notesSz cx="6858000" cy="9144000"/>
@@ -249,7 +250,7 @@
           <a:p>
             <a:fld id="{DCCC4742-F656-4F30-9808-576AF19A67F4}" type="datetimeFigureOut">
               <a:rPr lang="zh-CN" altLang="en-US" smtClean="0"/>
-              <a:t>2017/11/29</a:t>
+              <a:t>2017/12/5</a:t>
             </a:fld>
             <a:endParaRPr lang="zh-CN" altLang="en-US"/>
           </a:p>
@@ -419,7 +420,7 @@
           <a:p>
             <a:fld id="{DCCC4742-F656-4F30-9808-576AF19A67F4}" type="datetimeFigureOut">
               <a:rPr lang="zh-CN" altLang="en-US" smtClean="0"/>
-              <a:t>2017/11/29</a:t>
+              <a:t>2017/12/5</a:t>
             </a:fld>
             <a:endParaRPr lang="zh-CN" altLang="en-US"/>
           </a:p>
@@ -599,7 +600,7 @@
           <a:p>
             <a:fld id="{DCCC4742-F656-4F30-9808-576AF19A67F4}" type="datetimeFigureOut">
               <a:rPr lang="zh-CN" altLang="en-US" smtClean="0"/>
-              <a:t>2017/11/29</a:t>
+              <a:t>2017/12/5</a:t>
             </a:fld>
             <a:endParaRPr lang="zh-CN" altLang="en-US"/>
           </a:p>
@@ -769,7 +770,7 @@
           <a:p>
             <a:fld id="{DCCC4742-F656-4F30-9808-576AF19A67F4}" type="datetimeFigureOut">
               <a:rPr lang="zh-CN" altLang="en-US" smtClean="0"/>
-              <a:t>2017/11/29</a:t>
+              <a:t>2017/12/5</a:t>
             </a:fld>
             <a:endParaRPr lang="zh-CN" altLang="en-US"/>
           </a:p>
@@ -1015,7 +1016,7 @@
           <a:p>
             <a:fld id="{DCCC4742-F656-4F30-9808-576AF19A67F4}" type="datetimeFigureOut">
               <a:rPr lang="zh-CN" altLang="en-US" smtClean="0"/>
-              <a:t>2017/11/29</a:t>
+              <a:t>2017/12/5</a:t>
             </a:fld>
             <a:endParaRPr lang="zh-CN" altLang="en-US"/>
           </a:p>
@@ -1247,7 +1248,7 @@
           <a:p>
             <a:fld id="{DCCC4742-F656-4F30-9808-576AF19A67F4}" type="datetimeFigureOut">
               <a:rPr lang="zh-CN" altLang="en-US" smtClean="0"/>
-              <a:t>2017/11/29</a:t>
+              <a:t>2017/12/5</a:t>
             </a:fld>
             <a:endParaRPr lang="zh-CN" altLang="en-US"/>
           </a:p>
@@ -1614,7 +1615,7 @@
           <a:p>
             <a:fld id="{DCCC4742-F656-4F30-9808-576AF19A67F4}" type="datetimeFigureOut">
               <a:rPr lang="zh-CN" altLang="en-US" smtClean="0"/>
-              <a:t>2017/11/29</a:t>
+              <a:t>2017/12/5</a:t>
             </a:fld>
             <a:endParaRPr lang="zh-CN" altLang="en-US"/>
           </a:p>
@@ -1732,7 +1733,7 @@
           <a:p>
             <a:fld id="{DCCC4742-F656-4F30-9808-576AF19A67F4}" type="datetimeFigureOut">
               <a:rPr lang="zh-CN" altLang="en-US" smtClean="0"/>
-              <a:t>2017/11/29</a:t>
+              <a:t>2017/12/5</a:t>
             </a:fld>
             <a:endParaRPr lang="zh-CN" altLang="en-US"/>
           </a:p>
@@ -1827,7 +1828,7 @@
           <a:p>
             <a:fld id="{DCCC4742-F656-4F30-9808-576AF19A67F4}" type="datetimeFigureOut">
               <a:rPr lang="zh-CN" altLang="en-US" smtClean="0"/>
-              <a:t>2017/11/29</a:t>
+              <a:t>2017/12/5</a:t>
             </a:fld>
             <a:endParaRPr lang="zh-CN" altLang="en-US"/>
           </a:p>
@@ -2104,7 +2105,7 @@
           <a:p>
             <a:fld id="{DCCC4742-F656-4F30-9808-576AF19A67F4}" type="datetimeFigureOut">
               <a:rPr lang="zh-CN" altLang="en-US" smtClean="0"/>
-              <a:t>2017/11/29</a:t>
+              <a:t>2017/12/5</a:t>
             </a:fld>
             <a:endParaRPr lang="zh-CN" altLang="en-US"/>
           </a:p>
@@ -2357,7 +2358,7 @@
           <a:p>
             <a:fld id="{DCCC4742-F656-4F30-9808-576AF19A67F4}" type="datetimeFigureOut">
               <a:rPr lang="zh-CN" altLang="en-US" smtClean="0"/>
-              <a:t>2017/11/29</a:t>
+              <a:t>2017/12/5</a:t>
             </a:fld>
             <a:endParaRPr lang="zh-CN" altLang="en-US"/>
           </a:p>
@@ -2570,7 +2571,7 @@
           <a:p>
             <a:fld id="{DCCC4742-F656-4F30-9808-576AF19A67F4}" type="datetimeFigureOut">
               <a:rPr lang="zh-CN" altLang="en-US" smtClean="0"/>
-              <a:t>2017/11/29</a:t>
+              <a:t>2017/12/5</a:t>
             </a:fld>
             <a:endParaRPr lang="zh-CN" altLang="en-US"/>
           </a:p>
@@ -2991,10 +2992,20 @@
           <a:lstStyle/>
           <a:p>
             <a:r>
-              <a:rPr lang="zh-CN" altLang="en-US" dirty="0" smtClean="0"/>
+              <a:rPr lang="zh-CN" altLang="en-US" dirty="0" smtClean="0">
+                <a:latin typeface="+mn-lt"/>
+                <a:ea typeface="+mn-ea"/>
+                <a:cs typeface="+mn-ea"/>
+                <a:sym typeface="+mn-lt"/>
+              </a:rPr>
               <a:t>论文</a:t>
             </a:r>
-            <a:endParaRPr lang="zh-CN" altLang="en-US" dirty="0"/>
+            <a:endParaRPr lang="zh-CN" altLang="en-US" dirty="0">
+              <a:latin typeface="+mn-lt"/>
+              <a:ea typeface="+mn-ea"/>
+              <a:cs typeface="+mn-ea"/>
+              <a:sym typeface="+mn-lt"/>
+            </a:endParaRPr>
           </a:p>
         </p:txBody>
       </p:sp>
@@ -3014,10 +3025,16 @@
           <a:lstStyle/>
           <a:p>
             <a:r>
-              <a:rPr lang="en-US" altLang="zh-CN" dirty="0" smtClean="0"/>
+              <a:rPr lang="en-US" altLang="zh-CN" dirty="0" smtClean="0">
+                <a:cs typeface="+mn-ea"/>
+                <a:sym typeface="+mn-lt"/>
+              </a:rPr>
               <a:t>2017.11.23</a:t>
             </a:r>
-            <a:endParaRPr lang="zh-CN" altLang="en-US" dirty="0"/>
+            <a:endParaRPr lang="zh-CN" altLang="en-US" dirty="0">
+              <a:cs typeface="+mn-ea"/>
+              <a:sym typeface="+mn-lt"/>
+            </a:endParaRPr>
           </a:p>
         </p:txBody>
       </p:sp>
@@ -3067,10 +3084,20 @@
           <a:lstStyle/>
           <a:p>
             <a:r>
-              <a:rPr lang="zh-CN" altLang="en-US" dirty="0" smtClean="0"/>
+              <a:rPr lang="zh-CN" altLang="en-US" dirty="0" smtClean="0">
+                <a:latin typeface="+mn-lt"/>
+                <a:ea typeface="+mn-ea"/>
+                <a:cs typeface="+mn-ea"/>
+                <a:sym typeface="+mn-lt"/>
+              </a:rPr>
               <a:t>说明</a:t>
             </a:r>
-            <a:endParaRPr lang="zh-CN" altLang="en-US" dirty="0"/>
+            <a:endParaRPr lang="zh-CN" altLang="en-US" dirty="0">
+              <a:latin typeface="+mn-lt"/>
+              <a:ea typeface="+mn-ea"/>
+              <a:cs typeface="+mn-ea"/>
+              <a:sym typeface="+mn-lt"/>
+            </a:endParaRPr>
           </a:p>
         </p:txBody>
       </p:sp>
@@ -3090,28 +3117,49 @@
           <a:lstStyle/>
           <a:p>
             <a:r>
-              <a:rPr lang="zh-CN" altLang="en-US" dirty="0" smtClean="0"/>
+              <a:rPr lang="zh-CN" altLang="en-US" dirty="0" smtClean="0">
+                <a:cs typeface="+mn-ea"/>
+                <a:sym typeface="+mn-lt"/>
+              </a:rPr>
               <a:t>本</a:t>
             </a:r>
             <a:r>
-              <a:rPr lang="en-US" altLang="zh-CN" dirty="0" err="1" smtClean="0"/>
+              <a:rPr lang="en-US" altLang="zh-CN" dirty="0" err="1" smtClean="0">
+                <a:cs typeface="+mn-ea"/>
+                <a:sym typeface="+mn-lt"/>
+              </a:rPr>
               <a:t>PPT</a:t>
             </a:r>
             <a:r>
-              <a:rPr lang="zh-CN" altLang="en-US" dirty="0" smtClean="0"/>
+              <a:rPr lang="zh-CN" altLang="en-US" dirty="0" smtClean="0">
+                <a:cs typeface="+mn-ea"/>
+                <a:sym typeface="+mn-lt"/>
+              </a:rPr>
               <a:t>是为了总结论文而设，长期维护。</a:t>
             </a:r>
-            <a:endParaRPr lang="en-US" altLang="zh-CN" dirty="0" smtClean="0"/>
-          </a:p>
-          <a:p>
-            <a:r>
-              <a:rPr lang="zh-CN" altLang="en-US" dirty="0" smtClean="0"/>
+            <a:endParaRPr lang="en-US" altLang="zh-CN" dirty="0" smtClean="0">
+              <a:cs typeface="+mn-ea"/>
+              <a:sym typeface="+mn-lt"/>
+            </a:endParaRPr>
+          </a:p>
+          <a:p>
+            <a:r>
+              <a:rPr lang="zh-CN" altLang="en-US" dirty="0" smtClean="0">
+                <a:cs typeface="+mn-ea"/>
+                <a:sym typeface="+mn-lt"/>
+              </a:rPr>
               <a:t>目录包括：论文名字，摘要，方法，总结，实验数据库，缺陷和想法</a:t>
             </a:r>
-            <a:endParaRPr lang="en-US" altLang="zh-CN" dirty="0" smtClean="0"/>
-          </a:p>
-          <a:p>
-            <a:endParaRPr lang="zh-CN" altLang="en-US" dirty="0"/>
+            <a:endParaRPr lang="en-US" altLang="zh-CN" dirty="0" smtClean="0">
+              <a:cs typeface="+mn-ea"/>
+              <a:sym typeface="+mn-lt"/>
+            </a:endParaRPr>
+          </a:p>
+          <a:p>
+            <a:endParaRPr lang="zh-CN" altLang="en-US" dirty="0">
+              <a:cs typeface="+mn-ea"/>
+              <a:sym typeface="+mn-lt"/>
+            </a:endParaRPr>
           </a:p>
         </p:txBody>
       </p:sp>
@@ -3166,132 +3214,234 @@
           <a:lstStyle/>
           <a:p>
             <a:r>
-              <a:rPr lang="zh-CN" altLang="en-US" dirty="0" smtClean="0"/>
+              <a:rPr lang="zh-CN" altLang="en-US" dirty="0" smtClean="0">
+                <a:cs typeface="+mn-ea"/>
+                <a:sym typeface="+mn-lt"/>
+              </a:rPr>
               <a:t>名字</a:t>
             </a:r>
-            <a:endParaRPr lang="en-US" altLang="zh-CN" dirty="0" smtClean="0"/>
+            <a:endParaRPr lang="en-US" altLang="zh-CN" dirty="0" smtClean="0">
+              <a:cs typeface="+mn-ea"/>
+              <a:sym typeface="+mn-lt"/>
+            </a:endParaRPr>
           </a:p>
           <a:p>
             <a:pPr lvl="1"/>
             <a:r>
-              <a:rPr lang="zh-CN" altLang="en-US" dirty="0"/>
+              <a:rPr lang="zh-CN" altLang="en-US" dirty="0">
+                <a:cs typeface="+mn-ea"/>
+                <a:sym typeface="+mn-lt"/>
+              </a:rPr>
               <a:t>一</a:t>
             </a:r>
             <a:r>
-              <a:rPr lang="zh-CN" altLang="en-US" dirty="0" smtClean="0"/>
+              <a:rPr lang="zh-CN" altLang="en-US" dirty="0" smtClean="0">
+                <a:cs typeface="+mn-ea"/>
+                <a:sym typeface="+mn-lt"/>
+              </a:rPr>
               <a:t>种改进的降噪自编码器神经网络不平衡数据分类算法</a:t>
             </a:r>
-            <a:endParaRPr lang="en-US" altLang="zh-CN" dirty="0" smtClean="0"/>
-          </a:p>
-          <a:p>
-            <a:r>
-              <a:rPr lang="zh-CN" altLang="en-US" dirty="0" smtClean="0"/>
+            <a:endParaRPr lang="en-US" altLang="zh-CN" dirty="0" smtClean="0">
+              <a:cs typeface="+mn-ea"/>
+              <a:sym typeface="+mn-lt"/>
+            </a:endParaRPr>
+          </a:p>
+          <a:p>
+            <a:r>
+              <a:rPr lang="zh-CN" altLang="en-US" dirty="0" smtClean="0">
+                <a:cs typeface="+mn-ea"/>
+                <a:sym typeface="+mn-lt"/>
+              </a:rPr>
               <a:t>摘要</a:t>
             </a:r>
-            <a:endParaRPr lang="en-US" altLang="zh-CN" dirty="0" smtClean="0"/>
+            <a:endParaRPr lang="en-US" altLang="zh-CN" dirty="0" smtClean="0">
+              <a:cs typeface="+mn-ea"/>
+              <a:sym typeface="+mn-lt"/>
+            </a:endParaRPr>
           </a:p>
           <a:p>
             <a:pPr lvl="1"/>
             <a:r>
-              <a:rPr lang="zh-CN" altLang="en-US" dirty="0" smtClean="0"/>
+              <a:rPr lang="zh-CN" altLang="en-US" dirty="0" smtClean="0">
+                <a:cs typeface="+mn-ea"/>
+                <a:sym typeface="+mn-lt"/>
+              </a:rPr>
               <a:t>将</a:t>
             </a:r>
             <a:r>
-              <a:rPr lang="en-US" altLang="zh-CN" dirty="0" err="1" smtClean="0"/>
+              <a:rPr lang="en-US" altLang="zh-CN" dirty="0" err="1" smtClean="0">
+                <a:cs typeface="+mn-ea"/>
+                <a:sym typeface="+mn-lt"/>
+              </a:rPr>
               <a:t>SDAE</a:t>
             </a:r>
             <a:r>
-              <a:rPr lang="zh-CN" altLang="en-US" dirty="0" smtClean="0"/>
+              <a:rPr lang="zh-CN" altLang="en-US" dirty="0" smtClean="0">
+                <a:cs typeface="+mn-ea"/>
+                <a:sym typeface="+mn-lt"/>
+              </a:rPr>
               <a:t>和</a:t>
             </a:r>
             <a:r>
-              <a:rPr lang="en-US" altLang="zh-CN" dirty="0" smtClean="0"/>
+              <a:rPr lang="en-US" altLang="zh-CN" dirty="0" smtClean="0">
+                <a:cs typeface="+mn-ea"/>
+                <a:sym typeface="+mn-lt"/>
+              </a:rPr>
               <a:t>SMOTE</a:t>
             </a:r>
             <a:r>
-              <a:rPr lang="zh-CN" altLang="en-US" dirty="0" smtClean="0"/>
+              <a:rPr lang="zh-CN" altLang="en-US" dirty="0" smtClean="0">
+                <a:cs typeface="+mn-ea"/>
+                <a:sym typeface="+mn-lt"/>
+              </a:rPr>
               <a:t>方法结合，先利用</a:t>
             </a:r>
             <a:r>
-              <a:rPr lang="en-US" altLang="zh-CN" dirty="0" smtClean="0"/>
+              <a:rPr lang="en-US" altLang="zh-CN" dirty="0" smtClean="0">
+                <a:cs typeface="+mn-ea"/>
+                <a:sym typeface="+mn-lt"/>
+              </a:rPr>
               <a:t>SMOTE</a:t>
             </a:r>
             <a:r>
-              <a:rPr lang="zh-CN" altLang="en-US" dirty="0" smtClean="0"/>
+              <a:rPr lang="zh-CN" altLang="en-US" dirty="0" smtClean="0">
+                <a:cs typeface="+mn-ea"/>
+                <a:sym typeface="+mn-lt"/>
+              </a:rPr>
               <a:t>产生足够的少数类，再利用</a:t>
             </a:r>
             <a:r>
-              <a:rPr lang="en-US" altLang="zh-CN" dirty="0" err="1" smtClean="0"/>
+              <a:rPr lang="en-US" altLang="zh-CN" dirty="0" err="1" smtClean="0">
+                <a:cs typeface="+mn-ea"/>
+                <a:sym typeface="+mn-lt"/>
+              </a:rPr>
               <a:t>SDAE</a:t>
             </a:r>
             <a:r>
-              <a:rPr lang="zh-CN" altLang="en-US" dirty="0" smtClean="0"/>
+              <a:rPr lang="zh-CN" altLang="en-US" dirty="0" smtClean="0">
+                <a:cs typeface="+mn-ea"/>
+                <a:sym typeface="+mn-lt"/>
+              </a:rPr>
               <a:t>进行分类</a:t>
             </a:r>
-            <a:endParaRPr lang="en-US" altLang="zh-CN" dirty="0" smtClean="0"/>
-          </a:p>
-          <a:p>
-            <a:r>
-              <a:rPr lang="zh-CN" altLang="en-US" dirty="0" smtClean="0"/>
+            <a:endParaRPr lang="en-US" altLang="zh-CN" dirty="0" smtClean="0">
+              <a:cs typeface="+mn-ea"/>
+              <a:sym typeface="+mn-lt"/>
+            </a:endParaRPr>
+          </a:p>
+          <a:p>
+            <a:r>
+              <a:rPr lang="zh-CN" altLang="en-US" dirty="0" smtClean="0">
+                <a:cs typeface="+mn-ea"/>
+                <a:sym typeface="+mn-lt"/>
+              </a:rPr>
               <a:t>方法</a:t>
             </a:r>
-            <a:endParaRPr lang="en-US" altLang="zh-CN" dirty="0" smtClean="0"/>
-          </a:p>
-          <a:p>
-            <a:r>
-              <a:rPr lang="zh-CN" altLang="en-US" dirty="0" smtClean="0"/>
+            <a:endParaRPr lang="en-US" altLang="zh-CN" dirty="0" smtClean="0">
+              <a:cs typeface="+mn-ea"/>
+              <a:sym typeface="+mn-lt"/>
+            </a:endParaRPr>
+          </a:p>
+          <a:p>
+            <a:r>
+              <a:rPr lang="zh-CN" altLang="en-US" dirty="0" smtClean="0">
+                <a:cs typeface="+mn-ea"/>
+                <a:sym typeface="+mn-lt"/>
+              </a:rPr>
               <a:t>总结</a:t>
             </a:r>
-            <a:endParaRPr lang="en-US" altLang="zh-CN" dirty="0" smtClean="0"/>
-          </a:p>
-          <a:p>
-            <a:r>
-              <a:rPr lang="zh-CN" altLang="en-US" dirty="0" smtClean="0"/>
+            <a:endParaRPr lang="en-US" altLang="zh-CN" dirty="0" smtClean="0">
+              <a:cs typeface="+mn-ea"/>
+              <a:sym typeface="+mn-lt"/>
+            </a:endParaRPr>
+          </a:p>
+          <a:p>
+            <a:r>
+              <a:rPr lang="zh-CN" altLang="en-US" dirty="0" smtClean="0">
+                <a:cs typeface="+mn-ea"/>
+                <a:sym typeface="+mn-lt"/>
+              </a:rPr>
               <a:t>数据库</a:t>
             </a:r>
-            <a:endParaRPr lang="en-US" altLang="zh-CN" dirty="0" smtClean="0"/>
+            <a:endParaRPr lang="en-US" altLang="zh-CN" dirty="0" smtClean="0">
+              <a:cs typeface="+mn-ea"/>
+              <a:sym typeface="+mn-lt"/>
+            </a:endParaRPr>
           </a:p>
           <a:p>
             <a:pPr lvl="1"/>
             <a:r>
-              <a:rPr lang="en-US" altLang="zh-CN" dirty="0" smtClean="0"/>
+              <a:rPr lang="en-US" altLang="zh-CN" dirty="0" smtClean="0">
+                <a:cs typeface="+mn-ea"/>
+                <a:sym typeface="+mn-lt"/>
+              </a:rPr>
               <a:t>Ionosphere</a:t>
             </a:r>
             <a:r>
-              <a:rPr lang="zh-CN" altLang="en-US" dirty="0" smtClean="0"/>
+              <a:rPr lang="zh-CN" altLang="en-US" dirty="0" smtClean="0">
+                <a:cs typeface="+mn-ea"/>
+                <a:sym typeface="+mn-lt"/>
+              </a:rPr>
               <a:t>、</a:t>
             </a:r>
             <a:r>
-              <a:rPr lang="en-US" altLang="zh-CN" dirty="0" err="1" smtClean="0"/>
+              <a:rPr lang="en-US" altLang="zh-CN" dirty="0" err="1" smtClean="0">
+                <a:cs typeface="+mn-ea"/>
+                <a:sym typeface="+mn-lt"/>
+              </a:rPr>
               <a:t>german</a:t>
             </a:r>
             <a:r>
-              <a:rPr lang="zh-CN" altLang="en-US" dirty="0" smtClean="0"/>
+              <a:rPr lang="zh-CN" altLang="en-US" dirty="0" smtClean="0">
+                <a:cs typeface="+mn-ea"/>
+                <a:sym typeface="+mn-lt"/>
+              </a:rPr>
               <a:t>、</a:t>
             </a:r>
             <a:r>
-              <a:rPr lang="en-US" altLang="zh-CN" dirty="0" err="1" smtClean="0"/>
+              <a:rPr lang="en-US" altLang="zh-CN" dirty="0" err="1" smtClean="0">
+                <a:cs typeface="+mn-ea"/>
+                <a:sym typeface="+mn-lt"/>
+              </a:rPr>
               <a:t>wpbc</a:t>
             </a:r>
             <a:r>
-              <a:rPr lang="zh-CN" altLang="en-US" dirty="0" smtClean="0"/>
+              <a:rPr lang="zh-CN" altLang="en-US" dirty="0" smtClean="0">
+                <a:cs typeface="+mn-ea"/>
+                <a:sym typeface="+mn-lt"/>
+              </a:rPr>
               <a:t>、</a:t>
             </a:r>
             <a:r>
-              <a:rPr lang="en-US" altLang="zh-CN" dirty="0" err="1" smtClean="0"/>
+              <a:rPr lang="en-US" altLang="zh-CN" dirty="0" err="1" smtClean="0">
+                <a:cs typeface="+mn-ea"/>
+                <a:sym typeface="+mn-lt"/>
+              </a:rPr>
               <a:t>satimage</a:t>
             </a:r>
-            <a:endParaRPr lang="en-US" altLang="zh-CN" dirty="0" smtClean="0"/>
-          </a:p>
-          <a:p>
-            <a:r>
-              <a:rPr lang="zh-CN" altLang="en-US" dirty="0" smtClean="0"/>
+            <a:endParaRPr lang="en-US" altLang="zh-CN" dirty="0" smtClean="0">
+              <a:cs typeface="+mn-ea"/>
+              <a:sym typeface="+mn-lt"/>
+            </a:endParaRPr>
+          </a:p>
+          <a:p>
+            <a:r>
+              <a:rPr lang="zh-CN" altLang="en-US" dirty="0" smtClean="0">
+                <a:cs typeface="+mn-ea"/>
+                <a:sym typeface="+mn-lt"/>
+              </a:rPr>
               <a:t>缺陷和想法</a:t>
             </a:r>
-            <a:endParaRPr lang="en-US" altLang="zh-CN" dirty="0" smtClean="0"/>
-          </a:p>
-          <a:p>
-            <a:endParaRPr lang="zh-CN" altLang="en-US" dirty="0"/>
+            <a:endParaRPr lang="en-US" altLang="zh-CN" dirty="0" smtClean="0">
+              <a:cs typeface="+mn-ea"/>
+              <a:sym typeface="+mn-lt"/>
+            </a:endParaRPr>
+          </a:p>
+          <a:p>
+            <a:endParaRPr lang="zh-CN" altLang="en-US" dirty="0">
+              <a:cs typeface="+mn-ea"/>
+              <a:sym typeface="+mn-lt"/>
+            </a:endParaRPr>
           </a:p>
         </p:txBody>
       </p:sp>
@@ -3346,100 +3496,175 @@
           <a:lstStyle/>
           <a:p>
             <a:r>
-              <a:rPr lang="zh-CN" altLang="en-US" dirty="0" smtClean="0"/>
+              <a:rPr lang="zh-CN" altLang="en-US" dirty="0" smtClean="0">
+                <a:cs typeface="+mn-ea"/>
+                <a:sym typeface="+mn-lt"/>
+              </a:rPr>
               <a:t>名字</a:t>
             </a:r>
-            <a:endParaRPr lang="en-US" altLang="zh-CN" dirty="0" smtClean="0"/>
+            <a:endParaRPr lang="en-US" altLang="zh-CN" dirty="0" smtClean="0">
+              <a:cs typeface="+mn-ea"/>
+              <a:sym typeface="+mn-lt"/>
+            </a:endParaRPr>
           </a:p>
           <a:p>
             <a:pPr lvl="1"/>
             <a:r>
-              <a:rPr lang="en-US" altLang="zh-CN" dirty="0"/>
+              <a:rPr lang="en-US" altLang="zh-CN" dirty="0">
+                <a:cs typeface="+mn-ea"/>
+                <a:sym typeface="+mn-lt"/>
+              </a:rPr>
               <a:t>A Normal Distribution-Based Over-Sampling </a:t>
             </a:r>
             <a:r>
-              <a:rPr lang="en-US" altLang="zh-CN" dirty="0" smtClean="0"/>
+              <a:rPr lang="en-US" altLang="zh-CN" dirty="0" smtClean="0">
+                <a:cs typeface="+mn-ea"/>
+                <a:sym typeface="+mn-lt"/>
+              </a:rPr>
               <a:t>Approach to </a:t>
             </a:r>
             <a:r>
-              <a:rPr lang="en-US" altLang="zh-CN" dirty="0"/>
+              <a:rPr lang="en-US" altLang="zh-CN" dirty="0">
+                <a:cs typeface="+mn-ea"/>
+                <a:sym typeface="+mn-lt"/>
+              </a:rPr>
               <a:t>Imbalanced Data Classification</a:t>
             </a:r>
-            <a:endParaRPr lang="en-US" altLang="zh-CN" dirty="0" smtClean="0"/>
-          </a:p>
-          <a:p>
-            <a:r>
-              <a:rPr lang="zh-CN" altLang="en-US" dirty="0" smtClean="0"/>
+            <a:endParaRPr lang="en-US" altLang="zh-CN" dirty="0" smtClean="0">
+              <a:cs typeface="+mn-ea"/>
+              <a:sym typeface="+mn-lt"/>
+            </a:endParaRPr>
+          </a:p>
+          <a:p>
+            <a:r>
+              <a:rPr lang="zh-CN" altLang="en-US" dirty="0" smtClean="0">
+                <a:cs typeface="+mn-ea"/>
+                <a:sym typeface="+mn-lt"/>
+              </a:rPr>
               <a:t>摘要</a:t>
             </a:r>
-            <a:endParaRPr lang="en-US" altLang="zh-CN" dirty="0" smtClean="0"/>
-          </a:p>
-          <a:p>
-            <a:r>
-              <a:rPr lang="zh-CN" altLang="en-US" dirty="0" smtClean="0"/>
+            <a:endParaRPr lang="en-US" altLang="zh-CN" dirty="0" smtClean="0">
+              <a:cs typeface="+mn-ea"/>
+              <a:sym typeface="+mn-lt"/>
+            </a:endParaRPr>
+          </a:p>
+          <a:p>
+            <a:r>
+              <a:rPr lang="zh-CN" altLang="en-US" dirty="0" smtClean="0">
+                <a:cs typeface="+mn-ea"/>
+                <a:sym typeface="+mn-lt"/>
+              </a:rPr>
               <a:t>方法</a:t>
             </a:r>
-            <a:endParaRPr lang="en-US" altLang="zh-CN" dirty="0" smtClean="0"/>
+            <a:endParaRPr lang="en-US" altLang="zh-CN" dirty="0" smtClean="0">
+              <a:cs typeface="+mn-ea"/>
+              <a:sym typeface="+mn-lt"/>
+            </a:endParaRPr>
           </a:p>
           <a:p>
             <a:pPr lvl="1"/>
             <a:r>
-              <a:rPr lang="zh-CN" altLang="en-US" dirty="0" smtClean="0"/>
+              <a:rPr lang="zh-CN" altLang="en-US" dirty="0" smtClean="0">
+                <a:cs typeface="+mn-ea"/>
+                <a:sym typeface="+mn-lt"/>
+              </a:rPr>
               <a:t>该文中认为</a:t>
             </a:r>
             <a:r>
-              <a:rPr lang="en-US" altLang="zh-CN" dirty="0" smtClean="0"/>
+              <a:rPr lang="en-US" altLang="zh-CN" dirty="0" smtClean="0">
+                <a:cs typeface="+mn-ea"/>
+                <a:sym typeface="+mn-lt"/>
+              </a:rPr>
               <a:t>SMOTE</a:t>
             </a:r>
             <a:r>
-              <a:rPr lang="zh-CN" altLang="en-US" dirty="0" smtClean="0"/>
+              <a:rPr lang="zh-CN" altLang="en-US" dirty="0" smtClean="0">
+                <a:cs typeface="+mn-ea"/>
+                <a:sym typeface="+mn-lt"/>
+              </a:rPr>
               <a:t>方法的随机插值不能保证原始分布（或者是与原始数据相似的均值和方差），假设原始少数类为正态分布，根据目前存在的样本计算该正态分布的均值和方差，并根据标准正态分布和计算的参数进行插值</a:t>
             </a:r>
-            <a:endParaRPr lang="en-US" altLang="zh-CN" dirty="0" smtClean="0"/>
+            <a:endParaRPr lang="en-US" altLang="zh-CN" dirty="0" smtClean="0">
+              <a:cs typeface="+mn-ea"/>
+              <a:sym typeface="+mn-lt"/>
+            </a:endParaRPr>
           </a:p>
           <a:p>
             <a:pPr lvl="1"/>
-            <a:endParaRPr lang="en-US" altLang="zh-CN" dirty="0" smtClean="0"/>
-          </a:p>
-          <a:p>
-            <a:r>
-              <a:rPr lang="zh-CN" altLang="en-US" dirty="0" smtClean="0"/>
+            <a:endParaRPr lang="en-US" altLang="zh-CN" dirty="0" smtClean="0">
+              <a:cs typeface="+mn-ea"/>
+              <a:sym typeface="+mn-lt"/>
+            </a:endParaRPr>
+          </a:p>
+          <a:p>
+            <a:r>
+              <a:rPr lang="zh-CN" altLang="en-US" dirty="0" smtClean="0">
+                <a:cs typeface="+mn-ea"/>
+                <a:sym typeface="+mn-lt"/>
+              </a:rPr>
               <a:t>总结</a:t>
             </a:r>
-            <a:endParaRPr lang="en-US" altLang="zh-CN" dirty="0" smtClean="0"/>
-          </a:p>
-          <a:p>
-            <a:r>
-              <a:rPr lang="zh-CN" altLang="en-US" dirty="0" smtClean="0"/>
+            <a:endParaRPr lang="en-US" altLang="zh-CN" dirty="0" smtClean="0">
+              <a:cs typeface="+mn-ea"/>
+              <a:sym typeface="+mn-lt"/>
+            </a:endParaRPr>
+          </a:p>
+          <a:p>
+            <a:r>
+              <a:rPr lang="zh-CN" altLang="en-US" dirty="0" smtClean="0">
+                <a:cs typeface="+mn-ea"/>
+                <a:sym typeface="+mn-lt"/>
+              </a:rPr>
               <a:t>数据库</a:t>
             </a:r>
-            <a:endParaRPr lang="en-US" altLang="zh-CN" dirty="0" smtClean="0"/>
+            <a:endParaRPr lang="en-US" altLang="zh-CN" dirty="0" smtClean="0">
+              <a:cs typeface="+mn-ea"/>
+              <a:sym typeface="+mn-lt"/>
+            </a:endParaRPr>
           </a:p>
           <a:p>
             <a:pPr lvl="1"/>
             <a:r>
-              <a:rPr lang="en-US" altLang="zh-CN" dirty="0" smtClean="0"/>
+              <a:rPr lang="en-US" altLang="zh-CN" dirty="0" smtClean="0">
+                <a:cs typeface="+mn-ea"/>
+                <a:sym typeface="+mn-lt"/>
+              </a:rPr>
               <a:t>breast-w,diabetes,glass,ionosphere,satimage,segment-challenge,sonar,vehicle</a:t>
             </a:r>
           </a:p>
           <a:p>
             <a:r>
-              <a:rPr lang="zh-CN" altLang="en-US" dirty="0" smtClean="0"/>
+              <a:rPr lang="zh-CN" altLang="en-US" dirty="0" smtClean="0">
+                <a:cs typeface="+mn-ea"/>
+                <a:sym typeface="+mn-lt"/>
+              </a:rPr>
               <a:t>缺陷和想法</a:t>
             </a:r>
-            <a:endParaRPr lang="en-US" altLang="zh-CN" dirty="0" smtClean="0"/>
+            <a:endParaRPr lang="en-US" altLang="zh-CN" dirty="0" smtClean="0">
+              <a:cs typeface="+mn-ea"/>
+              <a:sym typeface="+mn-lt"/>
+            </a:endParaRPr>
           </a:p>
           <a:p>
             <a:pPr lvl="1"/>
             <a:r>
-              <a:rPr lang="zh-CN" altLang="en-US" dirty="0"/>
+              <a:rPr lang="zh-CN" altLang="en-US" dirty="0">
+                <a:cs typeface="+mn-ea"/>
+                <a:sym typeface="+mn-lt"/>
+              </a:rPr>
               <a:t>该</a:t>
             </a:r>
             <a:r>
-              <a:rPr lang="zh-CN" altLang="en-US" dirty="0" smtClean="0"/>
+              <a:rPr lang="zh-CN" altLang="en-US" dirty="0" smtClean="0">
+                <a:cs typeface="+mn-ea"/>
+                <a:sym typeface="+mn-lt"/>
+              </a:rPr>
               <a:t>文中针对连续型特征和离散特征采用的采样方式不同，连续型特征利用正态分布进行插值，而离散型特征则是针对其出现频率，采用轮盘赌的方式进行。</a:t>
             </a:r>
-            <a:endParaRPr lang="en-US" altLang="zh-CN" dirty="0" smtClean="0"/>
+            <a:endParaRPr lang="en-US" altLang="zh-CN" dirty="0" smtClean="0">
+              <a:cs typeface="+mn-ea"/>
+              <a:sym typeface="+mn-lt"/>
+            </a:endParaRPr>
           </a:p>
         </p:txBody>
       </p:sp>
@@ -3459,7 +3684,7 @@
         </p:blipFill>
         <p:spPr>
           <a:xfrm>
-            <a:off x="4338637" y="3076575"/>
+            <a:off x="4338637" y="3428999"/>
             <a:ext cx="3514725" cy="704850"/>
           </a:xfrm>
           <a:prstGeom prst="rect">
@@ -3518,134 +3743,233 @@
           <a:lstStyle/>
           <a:p>
             <a:r>
-              <a:rPr lang="zh-CN" altLang="en-US" dirty="0" smtClean="0"/>
+              <a:rPr lang="zh-CN" altLang="en-US" dirty="0" smtClean="0">
+                <a:cs typeface="+mn-ea"/>
+                <a:sym typeface="+mn-lt"/>
+              </a:rPr>
               <a:t>名字</a:t>
             </a:r>
-            <a:endParaRPr lang="en-US" altLang="zh-CN" dirty="0" smtClean="0"/>
+            <a:endParaRPr lang="en-US" altLang="zh-CN" dirty="0" smtClean="0">
+              <a:cs typeface="+mn-ea"/>
+              <a:sym typeface="+mn-lt"/>
+            </a:endParaRPr>
           </a:p>
           <a:p>
             <a:pPr lvl="1"/>
             <a:r>
-              <a:rPr lang="en-US" altLang="zh-CN" dirty="0" err="1" smtClean="0"/>
+              <a:rPr lang="en-US" altLang="zh-CN" dirty="0" err="1" smtClean="0">
+                <a:cs typeface="+mn-ea"/>
+                <a:sym typeface="+mn-lt"/>
+              </a:rPr>
               <a:t>Variational</a:t>
             </a:r>
             <a:r>
-              <a:rPr lang="en-US" altLang="zh-CN" dirty="0" smtClean="0"/>
+              <a:rPr lang="en-US" altLang="zh-CN" dirty="0" smtClean="0">
+                <a:cs typeface="+mn-ea"/>
+                <a:sym typeface="+mn-lt"/>
+              </a:rPr>
               <a:t> </a:t>
             </a:r>
             <a:r>
-              <a:rPr lang="en-US" altLang="zh-CN" dirty="0" err="1" smtClean="0"/>
+              <a:rPr lang="en-US" altLang="zh-CN" dirty="0" err="1" smtClean="0">
+                <a:cs typeface="+mn-ea"/>
+                <a:sym typeface="+mn-lt"/>
+              </a:rPr>
               <a:t>lossy</a:t>
             </a:r>
             <a:r>
-              <a:rPr lang="en-US" altLang="zh-CN" dirty="0" smtClean="0"/>
+              <a:rPr lang="en-US" altLang="zh-CN" dirty="0" smtClean="0">
+                <a:cs typeface="+mn-ea"/>
+                <a:sym typeface="+mn-lt"/>
+              </a:rPr>
               <a:t> </a:t>
             </a:r>
             <a:r>
-              <a:rPr lang="en-US" altLang="zh-CN" dirty="0" err="1" smtClean="0"/>
+              <a:rPr lang="en-US" altLang="zh-CN" dirty="0" err="1" smtClean="0">
+                <a:cs typeface="+mn-ea"/>
+                <a:sym typeface="+mn-lt"/>
+              </a:rPr>
               <a:t>autoencoder</a:t>
             </a:r>
-            <a:endParaRPr lang="en-US" altLang="zh-CN" dirty="0" smtClean="0"/>
-          </a:p>
-          <a:p>
-            <a:r>
-              <a:rPr lang="zh-CN" altLang="en-US" dirty="0" smtClean="0"/>
+            <a:endParaRPr lang="en-US" altLang="zh-CN" dirty="0" smtClean="0">
+              <a:cs typeface="+mn-ea"/>
+              <a:sym typeface="+mn-lt"/>
+            </a:endParaRPr>
+          </a:p>
+          <a:p>
+            <a:r>
+              <a:rPr lang="zh-CN" altLang="en-US" dirty="0" smtClean="0">
+                <a:cs typeface="+mn-ea"/>
+                <a:sym typeface="+mn-lt"/>
+              </a:rPr>
               <a:t>摘要</a:t>
             </a:r>
-            <a:endParaRPr lang="en-US" altLang="zh-CN" dirty="0" smtClean="0"/>
-          </a:p>
-          <a:p>
-            <a:r>
-              <a:rPr lang="zh-CN" altLang="en-US" dirty="0" smtClean="0"/>
+            <a:endParaRPr lang="en-US" altLang="zh-CN" dirty="0" smtClean="0">
+              <a:cs typeface="+mn-ea"/>
+              <a:sym typeface="+mn-lt"/>
+            </a:endParaRPr>
+          </a:p>
+          <a:p>
+            <a:r>
+              <a:rPr lang="zh-CN" altLang="en-US" dirty="0" smtClean="0">
+                <a:cs typeface="+mn-ea"/>
+                <a:sym typeface="+mn-lt"/>
+              </a:rPr>
               <a:t>方法</a:t>
             </a:r>
-            <a:endParaRPr lang="en-US" altLang="zh-CN" dirty="0" smtClean="0"/>
+            <a:endParaRPr lang="en-US" altLang="zh-CN" dirty="0" smtClean="0">
+              <a:cs typeface="+mn-ea"/>
+              <a:sym typeface="+mn-lt"/>
+            </a:endParaRPr>
           </a:p>
           <a:p>
             <a:pPr lvl="1"/>
             <a:r>
-              <a:rPr lang="zh-CN" altLang="en-US" dirty="0" smtClean="0"/>
+              <a:rPr lang="zh-CN" altLang="en-US" dirty="0" smtClean="0">
+                <a:cs typeface="+mn-ea"/>
+                <a:sym typeface="+mn-lt"/>
+              </a:rPr>
               <a:t>为了使</a:t>
             </a:r>
             <a:r>
-              <a:rPr lang="en-US" altLang="zh-CN" dirty="0" smtClean="0"/>
+              <a:rPr lang="en-US" altLang="zh-CN" dirty="0" smtClean="0">
+                <a:cs typeface="+mn-ea"/>
+                <a:sym typeface="+mn-lt"/>
+              </a:rPr>
               <a:t>latent dimension</a:t>
             </a:r>
             <a:r>
-              <a:rPr lang="zh-CN" altLang="en-US" dirty="0" smtClean="0"/>
+              <a:rPr lang="zh-CN" altLang="en-US" dirty="0" smtClean="0">
+                <a:cs typeface="+mn-ea"/>
+                <a:sym typeface="+mn-lt"/>
+              </a:rPr>
               <a:t>学习到全局的基本信息，扔掉细节信息，将</a:t>
             </a:r>
             <a:r>
-              <a:rPr lang="en-US" altLang="zh-CN" dirty="0" err="1" smtClean="0"/>
+              <a:rPr lang="en-US" altLang="zh-CN" dirty="0" err="1" smtClean="0">
+                <a:cs typeface="+mn-ea"/>
+                <a:sym typeface="+mn-lt"/>
+              </a:rPr>
               <a:t>vae</a:t>
             </a:r>
             <a:r>
-              <a:rPr lang="zh-CN" altLang="en-US" dirty="0" smtClean="0"/>
+              <a:rPr lang="zh-CN" altLang="en-US" dirty="0" smtClean="0">
+                <a:cs typeface="+mn-ea"/>
+                <a:sym typeface="+mn-lt"/>
+              </a:rPr>
               <a:t>和神经自回归模型（</a:t>
             </a:r>
             <a:r>
-              <a:rPr lang="en-US" altLang="zh-CN" dirty="0" smtClean="0"/>
+              <a:rPr lang="en-US" altLang="zh-CN" dirty="0" smtClean="0">
+                <a:cs typeface="+mn-ea"/>
+                <a:sym typeface="+mn-lt"/>
+              </a:rPr>
               <a:t>neural autoregressive model</a:t>
             </a:r>
             <a:r>
-              <a:rPr lang="zh-CN" altLang="en-US" dirty="0" smtClean="0"/>
+              <a:rPr lang="zh-CN" altLang="en-US" dirty="0" smtClean="0">
+                <a:cs typeface="+mn-ea"/>
+                <a:sym typeface="+mn-lt"/>
+              </a:rPr>
               <a:t>）结合起来，将</a:t>
             </a:r>
             <a:r>
-              <a:rPr lang="en-US" altLang="zh-CN" dirty="0" smtClean="0"/>
+              <a:rPr lang="en-US" altLang="zh-CN" dirty="0" smtClean="0">
+                <a:cs typeface="+mn-ea"/>
+                <a:sym typeface="+mn-lt"/>
+              </a:rPr>
               <a:t>z</a:t>
             </a:r>
             <a:r>
-              <a:rPr lang="zh-CN" altLang="en-US" dirty="0" smtClean="0"/>
+              <a:rPr lang="zh-CN" altLang="en-US" dirty="0" smtClean="0">
+                <a:cs typeface="+mn-ea"/>
+                <a:sym typeface="+mn-lt"/>
+              </a:rPr>
               <a:t>再次进行建模，得到最后的</a:t>
             </a:r>
             <a:r>
-              <a:rPr lang="en-US" altLang="zh-CN" dirty="0" smtClean="0"/>
+              <a:rPr lang="en-US" altLang="zh-CN" dirty="0" smtClean="0">
+                <a:cs typeface="+mn-ea"/>
+                <a:sym typeface="+mn-lt"/>
+              </a:rPr>
               <a:t>latent dimension</a:t>
             </a:r>
           </a:p>
           <a:p>
             <a:r>
-              <a:rPr lang="zh-CN" altLang="en-US" dirty="0" smtClean="0"/>
+              <a:rPr lang="zh-CN" altLang="en-US" dirty="0" smtClean="0">
+                <a:cs typeface="+mn-ea"/>
+                <a:sym typeface="+mn-lt"/>
+              </a:rPr>
               <a:t>总结</a:t>
             </a:r>
-            <a:endParaRPr lang="en-US" altLang="zh-CN" dirty="0" smtClean="0"/>
-          </a:p>
-          <a:p>
-            <a:r>
-              <a:rPr lang="zh-CN" altLang="en-US" dirty="0" smtClean="0"/>
+            <a:endParaRPr lang="en-US" altLang="zh-CN" dirty="0" smtClean="0">
+              <a:cs typeface="+mn-ea"/>
+              <a:sym typeface="+mn-lt"/>
+            </a:endParaRPr>
+          </a:p>
+          <a:p>
+            <a:r>
+              <a:rPr lang="zh-CN" altLang="en-US" dirty="0" smtClean="0">
+                <a:cs typeface="+mn-ea"/>
+                <a:sym typeface="+mn-lt"/>
+              </a:rPr>
               <a:t>数据库</a:t>
             </a:r>
-            <a:endParaRPr lang="en-US" altLang="zh-CN" dirty="0" smtClean="0"/>
+            <a:endParaRPr lang="en-US" altLang="zh-CN" dirty="0" smtClean="0">
+              <a:cs typeface="+mn-ea"/>
+              <a:sym typeface="+mn-lt"/>
+            </a:endParaRPr>
           </a:p>
           <a:p>
             <a:pPr lvl="1"/>
             <a:r>
-              <a:rPr lang="en-US" altLang="zh-CN" dirty="0" err="1" smtClean="0"/>
+              <a:rPr lang="en-US" altLang="zh-CN" dirty="0" err="1" smtClean="0">
+                <a:cs typeface="+mn-ea"/>
+                <a:sym typeface="+mn-lt"/>
+              </a:rPr>
               <a:t>mnist,cifar</a:t>
             </a:r>
             <a:r>
-              <a:rPr lang="en-US" altLang="zh-CN" dirty="0" smtClean="0"/>
+              <a:rPr lang="en-US" altLang="zh-CN" dirty="0" smtClean="0">
+                <a:cs typeface="+mn-ea"/>
+                <a:sym typeface="+mn-lt"/>
+              </a:rPr>
               <a:t>-</a:t>
             </a:r>
             <a:r>
-              <a:rPr lang="en-US" altLang="zh-CN" dirty="0" err="1" smtClean="0"/>
+              <a:rPr lang="en-US" altLang="zh-CN" dirty="0" err="1" smtClean="0">
+                <a:cs typeface="+mn-ea"/>
+                <a:sym typeface="+mn-lt"/>
+              </a:rPr>
               <a:t>10,omniglot,Caltech</a:t>
             </a:r>
             <a:r>
-              <a:rPr lang="en-US" altLang="zh-CN" dirty="0" smtClean="0"/>
+              <a:rPr lang="en-US" altLang="zh-CN" dirty="0" smtClean="0">
+                <a:cs typeface="+mn-ea"/>
+                <a:sym typeface="+mn-lt"/>
+              </a:rPr>
               <a:t>-101</a:t>
             </a:r>
           </a:p>
           <a:p>
             <a:r>
-              <a:rPr lang="zh-CN" altLang="en-US" dirty="0" smtClean="0"/>
+              <a:rPr lang="zh-CN" altLang="en-US" dirty="0" smtClean="0">
+                <a:cs typeface="+mn-ea"/>
+                <a:sym typeface="+mn-lt"/>
+              </a:rPr>
               <a:t>缺陷和想法</a:t>
             </a:r>
-            <a:endParaRPr lang="en-US" altLang="zh-CN" dirty="0" smtClean="0"/>
-          </a:p>
-          <a:p>
-            <a:endParaRPr lang="zh-CN" altLang="en-US" dirty="0"/>
+            <a:endParaRPr lang="en-US" altLang="zh-CN" dirty="0" smtClean="0">
+              <a:cs typeface="+mn-ea"/>
+              <a:sym typeface="+mn-lt"/>
+            </a:endParaRPr>
+          </a:p>
+          <a:p>
+            <a:endParaRPr lang="zh-CN" altLang="en-US" dirty="0">
+              <a:cs typeface="+mn-ea"/>
+              <a:sym typeface="+mn-lt"/>
+            </a:endParaRPr>
           </a:p>
         </p:txBody>
       </p:sp>
@@ -3702,140 +4026,226 @@
           <a:lstStyle/>
           <a:p>
             <a:r>
-              <a:rPr lang="zh-CN" altLang="en-US" dirty="0" smtClean="0"/>
+              <a:rPr lang="zh-CN" altLang="en-US" dirty="0" smtClean="0">
+                <a:cs typeface="+mn-ea"/>
+                <a:sym typeface="+mn-lt"/>
+              </a:rPr>
               <a:t>名字</a:t>
             </a:r>
-            <a:endParaRPr lang="en-US" altLang="zh-CN" dirty="0" smtClean="0"/>
+            <a:endParaRPr lang="en-US" altLang="zh-CN" dirty="0" smtClean="0">
+              <a:cs typeface="+mn-ea"/>
+              <a:sym typeface="+mn-lt"/>
+            </a:endParaRPr>
           </a:p>
           <a:p>
             <a:pPr lvl="1"/>
             <a:r>
-              <a:rPr lang="en-US" altLang="zh-CN" dirty="0" err="1" smtClean="0"/>
+              <a:rPr lang="en-US" altLang="zh-CN" dirty="0" err="1" smtClean="0">
+                <a:cs typeface="+mn-ea"/>
+                <a:sym typeface="+mn-lt"/>
+              </a:rPr>
               <a:t>RWO</a:t>
             </a:r>
             <a:r>
-              <a:rPr lang="en-US" altLang="zh-CN" dirty="0" smtClean="0"/>
+              <a:rPr lang="en-US" altLang="zh-CN" dirty="0" smtClean="0">
+                <a:cs typeface="+mn-ea"/>
+                <a:sym typeface="+mn-lt"/>
+              </a:rPr>
               <a:t>-sampling: a random walk over-sampling approach to imbalanced data classification</a:t>
             </a:r>
-            <a:endParaRPr lang="en-US" altLang="zh-CN" dirty="0" smtClean="0"/>
-          </a:p>
-          <a:p>
-            <a:r>
-              <a:rPr lang="zh-CN" altLang="en-US" dirty="0" smtClean="0"/>
+          </a:p>
+          <a:p>
+            <a:r>
+              <a:rPr lang="zh-CN" altLang="en-US" dirty="0" smtClean="0">
+                <a:cs typeface="+mn-ea"/>
+                <a:sym typeface="+mn-lt"/>
+              </a:rPr>
               <a:t>摘要</a:t>
             </a:r>
-            <a:endParaRPr lang="en-US" altLang="zh-CN" dirty="0" smtClean="0"/>
-          </a:p>
-          <a:p>
-            <a:r>
-              <a:rPr lang="zh-CN" altLang="en-US" dirty="0" smtClean="0"/>
+            <a:endParaRPr lang="en-US" altLang="zh-CN" dirty="0" smtClean="0">
+              <a:cs typeface="+mn-ea"/>
+              <a:sym typeface="+mn-lt"/>
+            </a:endParaRPr>
+          </a:p>
+          <a:p>
+            <a:r>
+              <a:rPr lang="zh-CN" altLang="en-US" dirty="0" smtClean="0">
+                <a:cs typeface="+mn-ea"/>
+                <a:sym typeface="+mn-lt"/>
+              </a:rPr>
               <a:t>方法</a:t>
             </a:r>
-            <a:endParaRPr lang="en-US" altLang="zh-CN" dirty="0" smtClean="0"/>
+            <a:endParaRPr lang="en-US" altLang="zh-CN" dirty="0" smtClean="0">
+              <a:cs typeface="+mn-ea"/>
+              <a:sym typeface="+mn-lt"/>
+            </a:endParaRPr>
           </a:p>
           <a:p>
             <a:pPr lvl="1"/>
             <a:r>
-              <a:rPr lang="zh-CN" altLang="en-US" dirty="0" smtClean="0"/>
-              <a:t>将数据分为连续型和离散型属性，连续型属性假设其为正态分布，利用已有的样本数据计算均值和方差，并进行插值；离散型数据计算其频率并假设其为</a:t>
-            </a:r>
-            <a:r>
-              <a:rPr lang="zh-CN" altLang="en-US" dirty="0" smtClean="0"/>
-              <a:t>概率，并利用轮盘赌的形式进行采样，（</a:t>
-            </a:r>
-            <a:r>
-              <a:rPr lang="en-US" altLang="zh-CN" dirty="0" smtClean="0"/>
+              <a:rPr lang="zh-CN" altLang="en-US" dirty="0" smtClean="0">
+                <a:cs typeface="+mn-ea"/>
+                <a:sym typeface="+mn-lt"/>
+              </a:rPr>
+              <a:t>将数据分为连续型和离散型属性，连续型属性假设其为正态分布，利用已有的样本数据计算均值和方差，并进行插值；离散型数据计算其频率并假设其为概率，并利用轮盘赌的形式进行采样，（</a:t>
+            </a:r>
+            <a:r>
+              <a:rPr lang="en-US" altLang="zh-CN" dirty="0" smtClean="0">
+                <a:cs typeface="+mn-ea"/>
+                <a:sym typeface="+mn-lt"/>
+              </a:rPr>
               <a:t>generating a random value for attribute a</a:t>
             </a:r>
             <a:r>
-              <a:rPr lang="en-US" altLang="zh-CN" baseline="-25000" dirty="0" smtClean="0"/>
+              <a:rPr lang="en-US" altLang="zh-CN" baseline="-25000" dirty="0" smtClean="0">
+                <a:cs typeface="+mn-ea"/>
+                <a:sym typeface="+mn-lt"/>
+              </a:rPr>
               <a:t>i</a:t>
             </a:r>
             <a:r>
-              <a:rPr lang="en-US" altLang="zh-CN" dirty="0" smtClean="0"/>
+              <a:rPr lang="en-US" altLang="zh-CN" dirty="0" smtClean="0">
+                <a:cs typeface="+mn-ea"/>
+                <a:sym typeface="+mn-lt"/>
+              </a:rPr>
               <a:t> using roulette</a:t>
             </a:r>
             <a:r>
-              <a:rPr lang="zh-CN" altLang="en-US" dirty="0" smtClean="0"/>
+              <a:rPr lang="zh-CN" altLang="en-US" dirty="0" smtClean="0">
+                <a:cs typeface="+mn-ea"/>
+                <a:sym typeface="+mn-lt"/>
+              </a:rPr>
               <a:t>）</a:t>
             </a:r>
-            <a:endParaRPr lang="en-US" altLang="zh-CN" dirty="0" smtClean="0"/>
-          </a:p>
-          <a:p>
-            <a:r>
-              <a:rPr lang="zh-CN" altLang="en-US" dirty="0" smtClean="0"/>
+            <a:endParaRPr lang="en-US" altLang="zh-CN" dirty="0" smtClean="0">
+              <a:cs typeface="+mn-ea"/>
+              <a:sym typeface="+mn-lt"/>
+            </a:endParaRPr>
+          </a:p>
+          <a:p>
+            <a:r>
+              <a:rPr lang="zh-CN" altLang="en-US" dirty="0" smtClean="0">
+                <a:cs typeface="+mn-ea"/>
+                <a:sym typeface="+mn-lt"/>
+              </a:rPr>
               <a:t>总结</a:t>
             </a:r>
-            <a:endParaRPr lang="en-US" altLang="zh-CN" dirty="0" smtClean="0"/>
-          </a:p>
-          <a:p>
-            <a:r>
-              <a:rPr lang="zh-CN" altLang="en-US" dirty="0" smtClean="0"/>
+            <a:endParaRPr lang="en-US" altLang="zh-CN" dirty="0" smtClean="0">
+              <a:cs typeface="+mn-ea"/>
+              <a:sym typeface="+mn-lt"/>
+            </a:endParaRPr>
+          </a:p>
+          <a:p>
+            <a:r>
+              <a:rPr lang="zh-CN" altLang="en-US" dirty="0" smtClean="0">
+                <a:cs typeface="+mn-ea"/>
+                <a:sym typeface="+mn-lt"/>
+              </a:rPr>
               <a:t>数据库</a:t>
             </a:r>
-            <a:endParaRPr lang="en-US" altLang="zh-CN" dirty="0" smtClean="0"/>
+            <a:endParaRPr lang="en-US" altLang="zh-CN" dirty="0" smtClean="0">
+              <a:cs typeface="+mn-ea"/>
+              <a:sym typeface="+mn-lt"/>
+            </a:endParaRPr>
           </a:p>
           <a:p>
             <a:pPr lvl="1"/>
             <a:r>
-              <a:rPr lang="en-US" altLang="zh-CN" dirty="0"/>
+              <a:rPr lang="en-US" altLang="zh-CN" dirty="0">
+                <a:cs typeface="+mn-ea"/>
+                <a:sym typeface="+mn-lt"/>
+              </a:rPr>
               <a:t>b</a:t>
             </a:r>
             <a:r>
-              <a:rPr lang="en-US" altLang="zh-CN" dirty="0" smtClean="0"/>
+              <a:rPr lang="en-US" altLang="zh-CN" dirty="0" smtClean="0">
+                <a:cs typeface="+mn-ea"/>
+                <a:sym typeface="+mn-lt"/>
+              </a:rPr>
               <a:t>reast-cancer,breast-w,colic,credit-g,diabetes,glass,haberman,hepatitis,hypothyroid,ionosphere,monk2,postoperative,primary-tumor,satimage,segment,sick,sonar,splice-i.e.,tic-tac-toc,vehicle,vowel</a:t>
             </a:r>
-            <a:endParaRPr lang="en-US" altLang="zh-CN" dirty="0" smtClean="0"/>
-          </a:p>
-          <a:p>
-            <a:r>
-              <a:rPr lang="zh-CN" altLang="en-US" dirty="0" smtClean="0"/>
-              <a:t>缺陷和</a:t>
-            </a:r>
-            <a:r>
-              <a:rPr lang="zh-CN" altLang="en-US" dirty="0" smtClean="0"/>
-              <a:t>想法</a:t>
-            </a:r>
-            <a:endParaRPr lang="en-US" altLang="zh-CN" dirty="0" smtClean="0"/>
+          </a:p>
+          <a:p>
+            <a:r>
+              <a:rPr lang="zh-CN" altLang="en-US" dirty="0" smtClean="0">
+                <a:cs typeface="+mn-ea"/>
+                <a:sym typeface="+mn-lt"/>
+              </a:rPr>
+              <a:t>缺陷和想法</a:t>
+            </a:r>
+            <a:endParaRPr lang="en-US" altLang="zh-CN" dirty="0" smtClean="0">
+              <a:cs typeface="+mn-ea"/>
+              <a:sym typeface="+mn-lt"/>
+            </a:endParaRPr>
           </a:p>
           <a:p>
             <a:pPr lvl="1"/>
             <a:r>
-              <a:rPr lang="zh-CN" altLang="en-US" dirty="0" smtClean="0"/>
+              <a:rPr lang="zh-CN" altLang="en-US" dirty="0" smtClean="0">
+                <a:cs typeface="+mn-ea"/>
+                <a:sym typeface="+mn-lt"/>
+              </a:rPr>
               <a:t>从方法本身来看，这种单一属性逐渐生成方式意味着属性间独立，但是真实数据集未必符合该种形式。</a:t>
             </a:r>
-            <a:endParaRPr lang="en-US" altLang="zh-CN" dirty="0" smtClean="0"/>
-          </a:p>
-          <a:p>
-            <a:r>
-              <a:rPr lang="zh-CN" altLang="en-US" dirty="0" smtClean="0"/>
+            <a:endParaRPr lang="en-US" altLang="zh-CN" dirty="0" smtClean="0">
+              <a:cs typeface="+mn-ea"/>
+              <a:sym typeface="+mn-lt"/>
+            </a:endParaRPr>
+          </a:p>
+          <a:p>
+            <a:r>
+              <a:rPr lang="zh-CN" altLang="en-US" dirty="0" smtClean="0">
+                <a:cs typeface="+mn-ea"/>
+                <a:sym typeface="+mn-lt"/>
+              </a:rPr>
               <a:t>考虑这样一种情形，假设某个</a:t>
             </a:r>
             <a:r>
-              <a:rPr lang="en-US" altLang="zh-CN" dirty="0" smtClean="0"/>
+              <a:rPr lang="en-US" altLang="zh-CN" dirty="0" smtClean="0">
+                <a:cs typeface="+mn-ea"/>
+                <a:sym typeface="+mn-lt"/>
+              </a:rPr>
               <a:t>feature</a:t>
             </a:r>
             <a:r>
-              <a:rPr lang="zh-CN" altLang="en-US" dirty="0" smtClean="0"/>
+              <a:rPr lang="zh-CN" altLang="en-US" dirty="0" smtClean="0">
+                <a:cs typeface="+mn-ea"/>
+                <a:sym typeface="+mn-lt"/>
+              </a:rPr>
               <a:t>是性别，即使采用数值化形式，该</a:t>
             </a:r>
             <a:r>
-              <a:rPr lang="en-US" altLang="zh-CN" dirty="0" smtClean="0"/>
+              <a:rPr lang="en-US" altLang="zh-CN" dirty="0" smtClean="0">
+                <a:cs typeface="+mn-ea"/>
+                <a:sym typeface="+mn-lt"/>
+              </a:rPr>
               <a:t>feature</a:t>
             </a:r>
             <a:r>
-              <a:rPr lang="zh-CN" altLang="en-US" dirty="0" smtClean="0"/>
+              <a:rPr lang="zh-CN" altLang="en-US" dirty="0" smtClean="0">
+                <a:cs typeface="+mn-ea"/>
+                <a:sym typeface="+mn-lt"/>
+              </a:rPr>
               <a:t>的取值也是离散类型的，不失一般性，我们认为其为</a:t>
             </a:r>
             <a:r>
-              <a:rPr lang="en-US" altLang="zh-CN" dirty="0" smtClean="0"/>
+              <a:rPr lang="en-US" altLang="zh-CN" dirty="0" smtClean="0">
+                <a:cs typeface="+mn-ea"/>
+                <a:sym typeface="+mn-lt"/>
+              </a:rPr>
               <a:t>0,1</a:t>
             </a:r>
             <a:r>
-              <a:rPr lang="zh-CN" altLang="en-US" dirty="0" smtClean="0"/>
+              <a:rPr lang="zh-CN" altLang="en-US" dirty="0" smtClean="0">
+                <a:cs typeface="+mn-ea"/>
+                <a:sym typeface="+mn-lt"/>
+              </a:rPr>
               <a:t>，则目前的随机插值到定义分布的各种形式的采样，未能考虑到离散型数据在经过随机插值后失去物理意义的问题，因此在工业数据集上需要多加考虑。</a:t>
             </a:r>
-            <a:endParaRPr lang="zh-CN" altLang="en-US" dirty="0"/>
+            <a:endParaRPr lang="zh-CN" altLang="en-US" dirty="0">
+              <a:cs typeface="+mn-ea"/>
+              <a:sym typeface="+mn-lt"/>
+            </a:endParaRPr>
           </a:p>
         </p:txBody>
       </p:sp>
@@ -3886,52 +4296,207 @@
           </a:xfrm>
         </p:spPr>
         <p:txBody>
-          <a:bodyPr/>
-          <a:lstStyle/>
-          <a:p>
-            <a:r>
-              <a:rPr lang="zh-CN" altLang="en-US" dirty="0" smtClean="0"/>
-              <a:t>名字</a:t>
-            </a:r>
-            <a:endParaRPr lang="en-US" altLang="zh-CN" dirty="0" smtClean="0"/>
-          </a:p>
-          <a:p>
-            <a:r>
-              <a:rPr lang="zh-CN" altLang="en-US" dirty="0" smtClean="0"/>
-              <a:t>摘要</a:t>
-            </a:r>
-            <a:endParaRPr lang="en-US" altLang="zh-CN" dirty="0" smtClean="0"/>
-          </a:p>
-          <a:p>
-            <a:r>
-              <a:rPr lang="zh-CN" altLang="en-US" dirty="0" smtClean="0"/>
+          <a:bodyPr>
+            <a:normAutofit lnSpcReduction="10000"/>
+          </a:bodyPr>
+          <a:lstStyle/>
+          <a:p>
+            <a:r>
+              <a:rPr lang="en-US" altLang="zh-CN" dirty="0" smtClean="0">
+                <a:cs typeface="+mn-ea"/>
+                <a:sym typeface="+mn-lt"/>
+              </a:rPr>
+              <a:t>Deliberation networks: sequence generation beyond one-pass decoding</a:t>
+            </a:r>
+            <a:endParaRPr lang="en-US" altLang="zh-CN" dirty="0" smtClean="0">
+              <a:cs typeface="+mn-ea"/>
+              <a:sym typeface="+mn-lt"/>
+            </a:endParaRPr>
+          </a:p>
+          <a:p>
+            <a:r>
+              <a:rPr lang="zh-CN" altLang="en-US" dirty="0" smtClean="0">
+                <a:cs typeface="+mn-ea"/>
+                <a:sym typeface="+mn-lt"/>
+              </a:rPr>
               <a:t>方法</a:t>
             </a:r>
-            <a:endParaRPr lang="en-US" altLang="zh-CN" dirty="0" smtClean="0"/>
-          </a:p>
-          <a:p>
-            <a:r>
-              <a:rPr lang="zh-CN" altLang="en-US" dirty="0" smtClean="0"/>
-              <a:t>总结</a:t>
-            </a:r>
-            <a:endParaRPr lang="en-US" altLang="zh-CN" dirty="0" smtClean="0"/>
-          </a:p>
-          <a:p>
-            <a:r>
-              <a:rPr lang="zh-CN" altLang="en-US" dirty="0" smtClean="0"/>
+            <a:endParaRPr lang="en-US" altLang="zh-CN" dirty="0" smtClean="0">
+              <a:cs typeface="+mn-ea"/>
+              <a:sym typeface="+mn-lt"/>
+            </a:endParaRPr>
+          </a:p>
+          <a:p>
+            <a:pPr lvl="1"/>
+            <a:r>
+              <a:rPr lang="zh-CN" altLang="en-US" dirty="0" smtClean="0">
+                <a:cs typeface="+mn-ea"/>
+                <a:sym typeface="+mn-lt"/>
+              </a:rPr>
+              <a:t>将序列生成分解成两个阶段，第一阶段先生成一个大致的序列，保存该序列和生成该序列的表征，并输入到第二阶段的编码器中，对其进行优化，该模型在语言序列上的生成取得了目前的最优结果</a:t>
+            </a:r>
+            <a:endParaRPr lang="en-US" altLang="zh-CN" dirty="0" smtClean="0">
+              <a:cs typeface="+mn-ea"/>
+              <a:sym typeface="+mn-lt"/>
+            </a:endParaRPr>
+          </a:p>
+          <a:p>
+            <a:pPr lvl="1"/>
+            <a:r>
+              <a:rPr lang="zh-CN" altLang="en-US" dirty="0" smtClean="0">
+                <a:cs typeface="+mn-ea"/>
+                <a:sym typeface="+mn-lt"/>
+              </a:rPr>
+              <a:t>总体思想是先产生一个粗略的序列，受人类推敲行为启发，将该粗略序列再进行二次加工</a:t>
+            </a:r>
+            <a:endParaRPr lang="en-US" altLang="zh-CN" dirty="0" smtClean="0">
+              <a:cs typeface="+mn-ea"/>
+              <a:sym typeface="+mn-lt"/>
+            </a:endParaRPr>
+          </a:p>
+          <a:p>
+            <a:r>
+              <a:rPr lang="zh-CN" altLang="en-US" dirty="0" smtClean="0">
+                <a:cs typeface="+mn-ea"/>
+                <a:sym typeface="+mn-lt"/>
+              </a:rPr>
               <a:t>数据库</a:t>
             </a:r>
-            <a:endParaRPr lang="en-US" altLang="zh-CN" dirty="0" smtClean="0"/>
-          </a:p>
-          <a:p>
-            <a:r>
-              <a:rPr lang="zh-CN" altLang="en-US" dirty="0" smtClean="0"/>
-              <a:t>缺陷和想法</a:t>
-            </a:r>
-            <a:endParaRPr lang="en-US" altLang="zh-CN" dirty="0" smtClean="0"/>
-          </a:p>
-          <a:p>
-            <a:endParaRPr lang="zh-CN" altLang="en-US" dirty="0"/>
+            <a:endParaRPr lang="en-US" altLang="zh-CN" dirty="0" smtClean="0">
+              <a:cs typeface="+mn-ea"/>
+              <a:sym typeface="+mn-lt"/>
+            </a:endParaRPr>
+          </a:p>
+          <a:p>
+            <a:r>
+              <a:rPr lang="zh-CN" altLang="en-US" dirty="0" smtClean="0">
+                <a:cs typeface="+mn-ea"/>
+                <a:sym typeface="+mn-lt"/>
+              </a:rPr>
+              <a:t>缺陷和</a:t>
+            </a:r>
+            <a:r>
+              <a:rPr lang="zh-CN" altLang="en-US" dirty="0" smtClean="0">
+                <a:cs typeface="+mn-ea"/>
+                <a:sym typeface="+mn-lt"/>
+              </a:rPr>
+              <a:t>想法</a:t>
+            </a:r>
+            <a:endParaRPr lang="en-US" altLang="zh-CN" dirty="0" smtClean="0">
+              <a:cs typeface="+mn-ea"/>
+              <a:sym typeface="+mn-lt"/>
+            </a:endParaRPr>
+          </a:p>
+          <a:p>
+            <a:pPr lvl="1"/>
+            <a:r>
+              <a:rPr lang="zh-CN" altLang="en-US" dirty="0">
+                <a:cs typeface="+mn-ea"/>
+                <a:sym typeface="+mn-lt"/>
+              </a:rPr>
+              <a:t>首先，我们将研究如何将推敲的思想应用于序列生成之外的任务，比如改善 </a:t>
+            </a:r>
+            <a:r>
+              <a:rPr lang="en-US" altLang="zh-CN" dirty="0" err="1" smtClean="0">
+                <a:cs typeface="+mn-ea"/>
+                <a:sym typeface="+mn-lt"/>
+              </a:rPr>
+              <a:t>GAN</a:t>
+            </a:r>
+            <a:r>
+              <a:rPr lang="zh-CN" altLang="en-US" dirty="0" smtClean="0">
+                <a:cs typeface="+mn-ea"/>
+                <a:sym typeface="+mn-lt"/>
+              </a:rPr>
+              <a:t>生成</a:t>
+            </a:r>
+            <a:r>
+              <a:rPr lang="zh-CN" altLang="en-US" dirty="0">
+                <a:cs typeface="+mn-ea"/>
+                <a:sym typeface="+mn-lt"/>
+              </a:rPr>
+              <a:t>的图像的质量。其次，我们将研究如何细化</a:t>
+            </a:r>
+            <a:r>
+              <a:rPr lang="en-US" altLang="zh-CN" dirty="0">
+                <a:cs typeface="+mn-ea"/>
+                <a:sym typeface="+mn-lt"/>
+              </a:rPr>
+              <a:t>/</a:t>
+            </a:r>
+            <a:r>
+              <a:rPr lang="zh-CN" altLang="en-US" dirty="0">
+                <a:cs typeface="+mn-ea"/>
+                <a:sym typeface="+mn-lt"/>
+              </a:rPr>
+              <a:t>润色不同层级的神经网络，比如 </a:t>
+            </a:r>
+            <a:r>
+              <a:rPr lang="en-US" altLang="zh-CN" dirty="0">
+                <a:cs typeface="+mn-ea"/>
+                <a:sym typeface="+mn-lt"/>
+              </a:rPr>
+              <a:t>RNN </a:t>
+            </a:r>
+            <a:r>
+              <a:rPr lang="zh-CN" altLang="en-US" dirty="0">
+                <a:cs typeface="+mn-ea"/>
+                <a:sym typeface="+mn-lt"/>
+              </a:rPr>
+              <a:t>中的隐藏状态或 </a:t>
+            </a:r>
+            <a:r>
+              <a:rPr lang="en-US" altLang="zh-CN" dirty="0">
+                <a:cs typeface="+mn-ea"/>
+                <a:sym typeface="+mn-lt"/>
+              </a:rPr>
+              <a:t>CNN </a:t>
+            </a:r>
+            <a:r>
+              <a:rPr lang="zh-CN" altLang="en-US" dirty="0">
+                <a:cs typeface="+mn-ea"/>
+                <a:sym typeface="+mn-lt"/>
+              </a:rPr>
+              <a:t>中特征图。第三，我们还很好奇如果解码器有更多阶段（即多次打磨润色生成的序列），生成的序列是否还会更好。第四，我们还将研究如何加速推敲网络的推理以及缩短它们的推理时间</a:t>
+            </a:r>
+            <a:r>
+              <a:rPr lang="zh-CN" altLang="en-US" dirty="0" smtClean="0">
+                <a:cs typeface="+mn-ea"/>
+                <a:sym typeface="+mn-lt"/>
+              </a:rPr>
+              <a:t>。</a:t>
+            </a:r>
+            <a:endParaRPr lang="en-US" altLang="zh-CN" dirty="0" smtClean="0">
+              <a:cs typeface="+mn-ea"/>
+              <a:sym typeface="+mn-lt"/>
+            </a:endParaRPr>
+          </a:p>
+          <a:p>
+            <a:pPr lvl="1"/>
+            <a:r>
+              <a:rPr lang="zh-CN" altLang="en-US" dirty="0" smtClean="0">
+                <a:cs typeface="+mn-ea"/>
+                <a:sym typeface="+mn-lt"/>
+              </a:rPr>
+              <a:t>其次，由于本文中的方法是用于语言序列生成，该类序列有天然的前后顺序，虽然模型中表示可以根据后面的词语来推断前后的语义，但是我需要生成的序列，各维度间认为是独立的，或者是不独立但是没有前后的依赖关系。此外，需要学习基于蒙特卡洛算法的神经网络的优化。</a:t>
+            </a:r>
+            <a:endParaRPr lang="en-US" altLang="zh-CN" dirty="0" smtClean="0">
+              <a:cs typeface="+mn-ea"/>
+              <a:sym typeface="+mn-lt"/>
+            </a:endParaRPr>
+          </a:p>
+          <a:p>
+            <a:pPr lvl="1"/>
+            <a:endParaRPr lang="en-US" altLang="zh-CN" dirty="0" smtClean="0">
+              <a:cs typeface="+mn-ea"/>
+              <a:sym typeface="+mn-lt"/>
+            </a:endParaRPr>
+          </a:p>
+          <a:p>
+            <a:endParaRPr lang="zh-CN" altLang="en-US" dirty="0">
+              <a:cs typeface="+mn-ea"/>
+              <a:sym typeface="+mn-lt"/>
+            </a:endParaRPr>
           </a:p>
         </p:txBody>
       </p:sp>
@@ -3939,6 +4504,102 @@
     <p:extLst>
       <p:ext uri="{BB962C8B-B14F-4D97-AF65-F5344CB8AC3E}">
         <p14:creationId xmlns:p14="http://schemas.microsoft.com/office/powerpoint/2010/main" val="3545791869"/>
+      </p:ext>
+    </p:extLst>
+  </p:cSld>
+  <p:clrMapOvr>
+    <a:masterClrMapping/>
+  </p:clrMapOvr>
+</p:sld>
+</file>
+
+<file path=ppt/slides/slide8.xml><?xml version="1.0" encoding="utf-8"?>
+<p:sld xmlns:a="http://schemas.openxmlformats.org/drawingml/2006/main" xmlns:r="http://schemas.openxmlformats.org/officeDocument/2006/relationships" xmlns:p="http://schemas.openxmlformats.org/presentationml/2006/main">
+  <p:cSld>
+    <p:spTree>
+      <p:nvGrpSpPr>
+        <p:cNvPr id="1" name=""/>
+        <p:cNvGrpSpPr/>
+        <p:nvPr/>
+      </p:nvGrpSpPr>
+      <p:grpSpPr>
+        <a:xfrm>
+          <a:off x="0" y="0"/>
+          <a:ext cx="0" cy="0"/>
+          <a:chOff x="0" y="0"/>
+          <a:chExt cx="0" cy="0"/>
+        </a:xfrm>
+      </p:grpSpPr>
+      <p:sp>
+        <p:nvSpPr>
+          <p:cNvPr id="3" name="内容占位符 2"/>
+          <p:cNvSpPr>
+            <a:spLocks noGrp="1"/>
+          </p:cNvSpPr>
+          <p:nvPr>
+            <p:ph idx="1"/>
+          </p:nvPr>
+        </p:nvSpPr>
+        <p:spPr>
+          <a:xfrm>
+            <a:off x="0" y="0"/>
+            <a:ext cx="12192000" cy="6857999"/>
+          </a:xfrm>
+        </p:spPr>
+        <p:txBody>
+          <a:bodyPr/>
+          <a:lstStyle/>
+          <a:p>
+            <a:r>
+              <a:rPr lang="zh-CN" altLang="en-US" dirty="0" smtClean="0">
+                <a:cs typeface="+mn-ea"/>
+                <a:sym typeface="+mn-lt"/>
+              </a:rPr>
+              <a:t>方法</a:t>
+            </a:r>
+            <a:endParaRPr lang="en-US" altLang="zh-CN" dirty="0" smtClean="0">
+              <a:cs typeface="+mn-ea"/>
+              <a:sym typeface="+mn-lt"/>
+            </a:endParaRPr>
+          </a:p>
+          <a:p>
+            <a:r>
+              <a:rPr lang="zh-CN" altLang="en-US" dirty="0" smtClean="0">
+                <a:cs typeface="+mn-ea"/>
+                <a:sym typeface="+mn-lt"/>
+              </a:rPr>
+              <a:t>数据库</a:t>
+            </a:r>
+            <a:endParaRPr lang="en-US" altLang="zh-CN" dirty="0" smtClean="0">
+              <a:cs typeface="+mn-ea"/>
+              <a:sym typeface="+mn-lt"/>
+            </a:endParaRPr>
+          </a:p>
+          <a:p>
+            <a:r>
+              <a:rPr lang="zh-CN" altLang="en-US" dirty="0" smtClean="0">
+                <a:cs typeface="+mn-ea"/>
+                <a:sym typeface="+mn-lt"/>
+              </a:rPr>
+              <a:t>缺陷和想法</a:t>
+            </a:r>
+            <a:endParaRPr lang="en-US" altLang="zh-CN" dirty="0" smtClean="0">
+              <a:cs typeface="+mn-ea"/>
+              <a:sym typeface="+mn-lt"/>
+            </a:endParaRPr>
+          </a:p>
+          <a:p>
+            <a:endParaRPr lang="zh-CN" altLang="en-US" dirty="0">
+              <a:cs typeface="+mn-ea"/>
+              <a:sym typeface="+mn-lt"/>
+            </a:endParaRPr>
+          </a:p>
+        </p:txBody>
+      </p:sp>
+    </p:spTree>
+    <p:extLst>
+      <p:ext uri="{BB962C8B-B14F-4D97-AF65-F5344CB8AC3E}">
+        <p14:creationId xmlns:p14="http://schemas.microsoft.com/office/powerpoint/2010/main" val="2204222863"/>
       </p:ext>
     </p:extLst>
   </p:cSld>
@@ -3989,76 +4650,16 @@
         <a:srgbClr val="954F72"/>
       </a:folHlink>
     </a:clrScheme>
-    <a:fontScheme name="Office">
+    <a:fontScheme name="fu53jd4w">
       <a:majorFont>
-        <a:latin typeface="Calibri Light" panose="020F0302020204030204"/>
-        <a:ea typeface=""/>
+        <a:latin typeface="Arial" panose="020F0302020204030204"/>
+        <a:ea typeface="微软雅黑 Light"/>
         <a:cs typeface=""/>
-        <a:font script="Jpan" typeface="ＭＳ Ｐゴシック"/>
-        <a:font script="Hang" typeface="맑은 고딕"/>
-        <a:font script="Hans" typeface="宋体"/>
-        <a:font script="Hant" typeface="新細明體"/>
-        <a:font script="Arab" typeface="Times New Roman"/>
-        <a:font script="Hebr" typeface="Times New Roman"/>
-        <a:font script="Thai" typeface="Angsana New"/>
-        <a:font script="Ethi" typeface="Nyala"/>
-        <a:font script="Beng" typeface="Vrinda"/>
-        <a:font script="Gujr" typeface="Shruti"/>
-        <a:font script="Khmr" typeface="MoolBoran"/>
-        <a:font script="Knda" typeface="Tunga"/>
-        <a:font script="Guru" typeface="Raavi"/>
-        <a:font script="Cans" typeface="Euphemia"/>
-        <a:font script="Cher" typeface="Plantagenet Cherokee"/>
-        <a:font script="Yiii" typeface="Microsoft Yi Baiti"/>
-        <a:font script="Tibt" typeface="Microsoft Himalaya"/>
-        <a:font script="Thaa" typeface="MV Boli"/>
-        <a:font script="Deva" typeface="Mangal"/>
-        <a:font script="Telu" typeface="Gautami"/>
-        <a:font script="Taml" typeface="Latha"/>
-        <a:font script="Syrc" typeface="Estrangelo Edessa"/>
-        <a:font script="Orya" typeface="Kalinga"/>
-        <a:font script="Mlym" typeface="Kartika"/>
-        <a:font script="Laoo" typeface="DokChampa"/>
-        <a:font script="Sinh" typeface="Iskoola Pota"/>
-        <a:font script="Mong" typeface="Mongolian Baiti"/>
-        <a:font script="Viet" typeface="Times New Roman"/>
-        <a:font script="Uigh" typeface="Microsoft Uighur"/>
-        <a:font script="Geor" typeface="Sylfaen"/>
       </a:majorFont>
       <a:minorFont>
-        <a:latin typeface="Calibri" panose="020F0502020204030204"/>
-        <a:ea typeface=""/>
+        <a:latin typeface="Arial" panose="020F0502020204030204"/>
+        <a:ea typeface="微软雅黑 Light"/>
         <a:cs typeface=""/>
-        <a:font script="Jpan" typeface="ＭＳ Ｐゴシック"/>
-        <a:font script="Hang" typeface="맑은 고딕"/>
-        <a:font script="Hans" typeface="宋体"/>
-        <a:font script="Hant" typeface="新細明體"/>
-        <a:font script="Arab" typeface="Arial"/>
-        <a:font script="Hebr" typeface="Arial"/>
-        <a:font script="Thai" typeface="Cordia New"/>
-        <a:font script="Ethi" typeface="Nyala"/>
-        <a:font script="Beng" typeface="Vrinda"/>
-        <a:font script="Gujr" typeface="Shruti"/>
-        <a:font script="Khmr" typeface="DaunPenh"/>
-        <a:font script="Knda" typeface="Tunga"/>
-        <a:font script="Guru" typeface="Raavi"/>
-        <a:font script="Cans" typeface="Euphemia"/>
-        <a:font script="Cher" typeface="Plantagenet Cherokee"/>
-        <a:font script="Yiii" typeface="Microsoft Yi Baiti"/>
-        <a:font script="Tibt" typeface="Microsoft Himalaya"/>
-        <a:font script="Thaa" typeface="MV Boli"/>
-        <a:font script="Deva" typeface="Mangal"/>
-        <a:font script="Telu" typeface="Gautami"/>
-        <a:font script="Taml" typeface="Latha"/>
-        <a:font script="Syrc" typeface="Estrangelo Edessa"/>
-        <a:font script="Orya" typeface="Kalinga"/>
-        <a:font script="Mlym" typeface="Kartika"/>
-        <a:font script="Laoo" typeface="DokChampa"/>
-        <a:font script="Sinh" typeface="Iskoola Pota"/>
-        <a:font script="Mong" typeface="Mongolian Baiti"/>
-        <a:font script="Viet" typeface="Arial"/>
-        <a:font script="Uigh" typeface="Microsoft Uighur"/>
-        <a:font script="Geor" typeface="Sylfaen"/>
       </a:minorFont>
     </a:fontScheme>
     <a:fmtScheme name="Office">

--- a/aaon_the_way/a-mydoc/长期维护.pptx
+++ b/aaon_the_way/a-mydoc/长期维护.pptx
@@ -13,6 +13,7 @@
     <p:sldId id="261" r:id="rId7"/>
     <p:sldId id="262" r:id="rId8"/>
     <p:sldId id="263" r:id="rId9"/>
+    <p:sldId id="264" r:id="rId10"/>
   </p:sldIdLst>
   <p:sldSz cx="12192000" cy="6858000"/>
   <p:notesSz cx="6858000" cy="9144000"/>
@@ -250,7 +251,7 @@
           <a:p>
             <a:fld id="{DCCC4742-F656-4F30-9808-576AF19A67F4}" type="datetimeFigureOut">
               <a:rPr lang="zh-CN" altLang="en-US" smtClean="0"/>
-              <a:t>2017/12/5</a:t>
+              <a:t>2017/12/18</a:t>
             </a:fld>
             <a:endParaRPr lang="zh-CN" altLang="en-US"/>
           </a:p>
@@ -420,7 +421,7 @@
           <a:p>
             <a:fld id="{DCCC4742-F656-4F30-9808-576AF19A67F4}" type="datetimeFigureOut">
               <a:rPr lang="zh-CN" altLang="en-US" smtClean="0"/>
-              <a:t>2017/12/5</a:t>
+              <a:t>2017/12/18</a:t>
             </a:fld>
             <a:endParaRPr lang="zh-CN" altLang="en-US"/>
           </a:p>
@@ -600,7 +601,7 @@
           <a:p>
             <a:fld id="{DCCC4742-F656-4F30-9808-576AF19A67F4}" type="datetimeFigureOut">
               <a:rPr lang="zh-CN" altLang="en-US" smtClean="0"/>
-              <a:t>2017/12/5</a:t>
+              <a:t>2017/12/18</a:t>
             </a:fld>
             <a:endParaRPr lang="zh-CN" altLang="en-US"/>
           </a:p>
@@ -770,7 +771,7 @@
           <a:p>
             <a:fld id="{DCCC4742-F656-4F30-9808-576AF19A67F4}" type="datetimeFigureOut">
               <a:rPr lang="zh-CN" altLang="en-US" smtClean="0"/>
-              <a:t>2017/12/5</a:t>
+              <a:t>2017/12/18</a:t>
             </a:fld>
             <a:endParaRPr lang="zh-CN" altLang="en-US"/>
           </a:p>
@@ -1016,7 +1017,7 @@
           <a:p>
             <a:fld id="{DCCC4742-F656-4F30-9808-576AF19A67F4}" type="datetimeFigureOut">
               <a:rPr lang="zh-CN" altLang="en-US" smtClean="0"/>
-              <a:t>2017/12/5</a:t>
+              <a:t>2017/12/18</a:t>
             </a:fld>
             <a:endParaRPr lang="zh-CN" altLang="en-US"/>
           </a:p>
@@ -1248,7 +1249,7 @@
           <a:p>
             <a:fld id="{DCCC4742-F656-4F30-9808-576AF19A67F4}" type="datetimeFigureOut">
               <a:rPr lang="zh-CN" altLang="en-US" smtClean="0"/>
-              <a:t>2017/12/5</a:t>
+              <a:t>2017/12/18</a:t>
             </a:fld>
             <a:endParaRPr lang="zh-CN" altLang="en-US"/>
           </a:p>
@@ -1615,7 +1616,7 @@
           <a:p>
             <a:fld id="{DCCC4742-F656-4F30-9808-576AF19A67F4}" type="datetimeFigureOut">
               <a:rPr lang="zh-CN" altLang="en-US" smtClean="0"/>
-              <a:t>2017/12/5</a:t>
+              <a:t>2017/12/18</a:t>
             </a:fld>
             <a:endParaRPr lang="zh-CN" altLang="en-US"/>
           </a:p>
@@ -1733,7 +1734,7 @@
           <a:p>
             <a:fld id="{DCCC4742-F656-4F30-9808-576AF19A67F4}" type="datetimeFigureOut">
               <a:rPr lang="zh-CN" altLang="en-US" smtClean="0"/>
-              <a:t>2017/12/5</a:t>
+              <a:t>2017/12/18</a:t>
             </a:fld>
             <a:endParaRPr lang="zh-CN" altLang="en-US"/>
           </a:p>
@@ -1828,7 +1829,7 @@
           <a:p>
             <a:fld id="{DCCC4742-F656-4F30-9808-576AF19A67F4}" type="datetimeFigureOut">
               <a:rPr lang="zh-CN" altLang="en-US" smtClean="0"/>
-              <a:t>2017/12/5</a:t>
+              <a:t>2017/12/18</a:t>
             </a:fld>
             <a:endParaRPr lang="zh-CN" altLang="en-US"/>
           </a:p>
@@ -2105,7 +2106,7 @@
           <a:p>
             <a:fld id="{DCCC4742-F656-4F30-9808-576AF19A67F4}" type="datetimeFigureOut">
               <a:rPr lang="zh-CN" altLang="en-US" smtClean="0"/>
-              <a:t>2017/12/5</a:t>
+              <a:t>2017/12/18</a:t>
             </a:fld>
             <a:endParaRPr lang="zh-CN" altLang="en-US"/>
           </a:p>
@@ -2358,7 +2359,7 @@
           <a:p>
             <a:fld id="{DCCC4742-F656-4F30-9808-576AF19A67F4}" type="datetimeFigureOut">
               <a:rPr lang="zh-CN" altLang="en-US" smtClean="0"/>
-              <a:t>2017/12/5</a:t>
+              <a:t>2017/12/18</a:t>
             </a:fld>
             <a:endParaRPr lang="zh-CN" altLang="en-US"/>
           </a:p>
@@ -2571,7 +2572,7 @@
           <a:p>
             <a:fld id="{DCCC4742-F656-4F30-9808-576AF19A67F4}" type="datetimeFigureOut">
               <a:rPr lang="zh-CN" altLang="en-US" smtClean="0"/>
-              <a:t>2017/12/5</a:t>
+              <a:t>2017/12/18</a:t>
             </a:fld>
             <a:endParaRPr lang="zh-CN" altLang="en-US"/>
           </a:p>
@@ -4308,10 +4309,6 @@
               </a:rPr>
               <a:t>Deliberation networks: sequence generation beyond one-pass decoding</a:t>
             </a:r>
-            <a:endParaRPr lang="en-US" altLang="zh-CN" dirty="0" smtClean="0">
-              <a:cs typeface="+mn-ea"/>
-              <a:sym typeface="+mn-lt"/>
-            </a:endParaRPr>
           </a:p>
           <a:p>
             <a:r>
@@ -4373,14 +4370,7 @@
                 <a:cs typeface="+mn-ea"/>
                 <a:sym typeface="+mn-lt"/>
               </a:rPr>
-              <a:t>缺陷和</a:t>
-            </a:r>
-            <a:r>
-              <a:rPr lang="zh-CN" altLang="en-US" dirty="0" smtClean="0">
-                <a:cs typeface="+mn-ea"/>
-                <a:sym typeface="+mn-lt"/>
-              </a:rPr>
-              <a:t>想法</a:t>
+              <a:t>缺陷和想法</a:t>
             </a:r>
             <a:endParaRPr lang="en-US" altLang="zh-CN" dirty="0" smtClean="0">
               <a:cs typeface="+mn-ea"/>
@@ -4551,7 +4541,7 @@
           <a:lstStyle/>
           <a:p>
             <a:r>
-              <a:rPr lang="zh-CN" altLang="en-US" dirty="0" smtClean="0">
+              <a:rPr lang="zh-CN" altLang="en-US" smtClean="0">
                 <a:cs typeface="+mn-ea"/>
                 <a:sym typeface="+mn-lt"/>
               </a:rPr>
@@ -4600,6 +4590,102 @@
     <p:extLst>
       <p:ext uri="{BB962C8B-B14F-4D97-AF65-F5344CB8AC3E}">
         <p14:creationId xmlns:p14="http://schemas.microsoft.com/office/powerpoint/2010/main" val="2204222863"/>
+      </p:ext>
+    </p:extLst>
+  </p:cSld>
+  <p:clrMapOvr>
+    <a:masterClrMapping/>
+  </p:clrMapOvr>
+</p:sld>
+</file>
+
+<file path=ppt/slides/slide9.xml><?xml version="1.0" encoding="utf-8"?>
+<p:sld xmlns:a="http://schemas.openxmlformats.org/drawingml/2006/main" xmlns:r="http://schemas.openxmlformats.org/officeDocument/2006/relationships" xmlns:p="http://schemas.openxmlformats.org/presentationml/2006/main">
+  <p:cSld>
+    <p:spTree>
+      <p:nvGrpSpPr>
+        <p:cNvPr id="1" name=""/>
+        <p:cNvGrpSpPr/>
+        <p:nvPr/>
+      </p:nvGrpSpPr>
+      <p:grpSpPr>
+        <a:xfrm>
+          <a:off x="0" y="0"/>
+          <a:ext cx="0" cy="0"/>
+          <a:chOff x="0" y="0"/>
+          <a:chExt cx="0" cy="0"/>
+        </a:xfrm>
+      </p:grpSpPr>
+      <p:sp>
+        <p:nvSpPr>
+          <p:cNvPr id="3" name="内容占位符 2"/>
+          <p:cNvSpPr>
+            <a:spLocks noGrp="1"/>
+          </p:cNvSpPr>
+          <p:nvPr>
+            <p:ph idx="1"/>
+          </p:nvPr>
+        </p:nvSpPr>
+        <p:spPr>
+          <a:xfrm>
+            <a:off x="0" y="0"/>
+            <a:ext cx="12192000" cy="6857999"/>
+          </a:xfrm>
+        </p:spPr>
+        <p:txBody>
+          <a:bodyPr/>
+          <a:lstStyle/>
+          <a:p>
+            <a:r>
+              <a:rPr lang="zh-CN" altLang="en-US" dirty="0" smtClean="0">
+                <a:cs typeface="+mn-ea"/>
+                <a:sym typeface="+mn-lt"/>
+              </a:rPr>
+              <a:t>方法</a:t>
+            </a:r>
+            <a:endParaRPr lang="en-US" altLang="zh-CN" dirty="0" smtClean="0">
+              <a:cs typeface="+mn-ea"/>
+              <a:sym typeface="+mn-lt"/>
+            </a:endParaRPr>
+          </a:p>
+          <a:p>
+            <a:r>
+              <a:rPr lang="zh-CN" altLang="en-US" dirty="0" smtClean="0">
+                <a:cs typeface="+mn-ea"/>
+                <a:sym typeface="+mn-lt"/>
+              </a:rPr>
+              <a:t>数据库</a:t>
+            </a:r>
+            <a:endParaRPr lang="en-US" altLang="zh-CN" dirty="0" smtClean="0">
+              <a:cs typeface="+mn-ea"/>
+              <a:sym typeface="+mn-lt"/>
+            </a:endParaRPr>
+          </a:p>
+          <a:p>
+            <a:r>
+              <a:rPr lang="zh-CN" altLang="en-US" dirty="0" smtClean="0">
+                <a:cs typeface="+mn-ea"/>
+                <a:sym typeface="+mn-lt"/>
+              </a:rPr>
+              <a:t>缺陷和想法</a:t>
+            </a:r>
+            <a:endParaRPr lang="en-US" altLang="zh-CN" dirty="0" smtClean="0">
+              <a:cs typeface="+mn-ea"/>
+              <a:sym typeface="+mn-lt"/>
+            </a:endParaRPr>
+          </a:p>
+          <a:p>
+            <a:endParaRPr lang="zh-CN" altLang="en-US" dirty="0">
+              <a:cs typeface="+mn-ea"/>
+              <a:sym typeface="+mn-lt"/>
+            </a:endParaRPr>
+          </a:p>
+        </p:txBody>
+      </p:sp>
+    </p:spTree>
+    <p:extLst>
+      <p:ext uri="{BB962C8B-B14F-4D97-AF65-F5344CB8AC3E}">
+        <p14:creationId xmlns:p14="http://schemas.microsoft.com/office/powerpoint/2010/main" val="2506944763"/>
       </p:ext>
     </p:extLst>
   </p:cSld>
